--- a/Präsentation_V1.pptx
+++ b/Präsentation_V1.pptx
@@ -5,12 +5,23 @@
     <p:sldMasterId id="2147483756" r:id="rId1"/>
   </p:sldMasterIdLst>
   <p:notesMasterIdLst>
-    <p:notesMasterId r:id="rId5"/>
+    <p:notesMasterId r:id="rId16"/>
   </p:notesMasterIdLst>
   <p:sldIdLst>
     <p:sldId id="256" r:id="rId2"/>
     <p:sldId id="257" r:id="rId3"/>
     <p:sldId id="258" r:id="rId4"/>
+    <p:sldId id="259" r:id="rId5"/>
+    <p:sldId id="261" r:id="rId6"/>
+    <p:sldId id="265" r:id="rId7"/>
+    <p:sldId id="267" r:id="rId8"/>
+    <p:sldId id="263" r:id="rId9"/>
+    <p:sldId id="269" r:id="rId10"/>
+    <p:sldId id="270" r:id="rId11"/>
+    <p:sldId id="271" r:id="rId12"/>
+    <p:sldId id="272" r:id="rId13"/>
+    <p:sldId id="274" r:id="rId14"/>
+    <p:sldId id="276" r:id="rId15"/>
   </p:sldIdLst>
   <p:sldSz cx="12387263" cy="12192000"/>
   <p:notesSz cx="6858000" cy="9144000"/>
@@ -109,7 +120,24 @@
       </a:defRPr>
     </a:lvl9pPr>
   </p:defaultTextStyle>
+  <p:extLst>
+    <p:ext uri="{EFAFB233-063F-42B5-8137-9DF3F51BA10A}">
+      <p15:sldGuideLst xmlns:p15="http://schemas.microsoft.com/office/powerpoint/2012/main"/>
+    </p:ext>
+  </p:extLst>
 </p:presentation>
+</file>
+
+<file path=ppt/commentAuthors.xml><?xml version="1.0" encoding="utf-8"?>
+<p:cmAuthorLst xmlns:a="http://schemas.openxmlformats.org/drawingml/2006/main" xmlns:r="http://schemas.openxmlformats.org/officeDocument/2006/relationships" xmlns:p="http://schemas.openxmlformats.org/presentationml/2006/main">
+  <p:cmAuthor id="1" name="Marcel Fischer" initials="MF" lastIdx="2" clrIdx="0">
+    <p:extLst>
+      <p:ext uri="{19B8F6BF-5375-455C-9EA6-DF929625EA0E}">
+        <p15:presenceInfo xmlns:p15="http://schemas.microsoft.com/office/powerpoint/2012/main" userId="Marcel Fischer" providerId="None"/>
+      </p:ext>
+    </p:extLst>
+  </p:cmAuthor>
+</p:cmAuthorLst>
 </file>
 
 <file path=ppt/notesMasters/notesMaster1.xml><?xml version="1.0" encoding="utf-8"?>
@@ -541,6 +569,174 @@
     <p:extLst>
       <p:ext uri="{BB962C8B-B14F-4D97-AF65-F5344CB8AC3E}">
         <p14:creationId xmlns:p14="http://schemas.microsoft.com/office/powerpoint/2010/main" val="3970464711"/>
+      </p:ext>
+    </p:extLst>
+  </p:cSld>
+  <p:clrMapOvr>
+    <a:masterClrMapping/>
+  </p:clrMapOvr>
+</p:notes>
+</file>
+
+<file path=ppt/notesSlides/notesSlide2.xml><?xml version="1.0" encoding="utf-8"?>
+<p:notes xmlns:a="http://schemas.openxmlformats.org/drawingml/2006/main" xmlns:r="http://schemas.openxmlformats.org/officeDocument/2006/relationships" xmlns:p="http://schemas.openxmlformats.org/presentationml/2006/main">
+  <p:cSld>
+    <p:spTree>
+      <p:nvGrpSpPr>
+        <p:cNvPr id="1" name=""/>
+        <p:cNvGrpSpPr/>
+        <p:nvPr/>
+      </p:nvGrpSpPr>
+      <p:grpSpPr>
+        <a:xfrm>
+          <a:off x="0" y="0"/>
+          <a:ext cx="0" cy="0"/>
+          <a:chOff x="0" y="0"/>
+          <a:chExt cx="0" cy="0"/>
+        </a:xfrm>
+      </p:grpSpPr>
+      <p:sp>
+        <p:nvSpPr>
+          <p:cNvPr id="2" name="Folienbildplatzhalter 1"/>
+          <p:cNvSpPr>
+            <a:spLocks noGrp="1" noRot="1" noChangeAspect="1"/>
+          </p:cNvSpPr>
+          <p:nvPr>
+            <p:ph type="sldImg"/>
+          </p:nvPr>
+        </p:nvSpPr>
+        <p:spPr/>
+      </p:sp>
+      <p:sp>
+        <p:nvSpPr>
+          <p:cNvPr id="3" name="Notizenplatzhalter 2"/>
+          <p:cNvSpPr>
+            <a:spLocks noGrp="1"/>
+          </p:cNvSpPr>
+          <p:nvPr>
+            <p:ph type="body" idx="1"/>
+          </p:nvPr>
+        </p:nvSpPr>
+        <p:spPr/>
+        <p:txBody>
+          <a:bodyPr/>
+          <a:lstStyle/>
+          <a:p>
+            <a:endParaRPr lang="en-US" dirty="0"/>
+          </a:p>
+        </p:txBody>
+      </p:sp>
+      <p:sp>
+        <p:nvSpPr>
+          <p:cNvPr id="4" name="Foliennummernplatzhalter 3"/>
+          <p:cNvSpPr>
+            <a:spLocks noGrp="1"/>
+          </p:cNvSpPr>
+          <p:nvPr>
+            <p:ph type="sldNum" sz="quarter" idx="5"/>
+          </p:nvPr>
+        </p:nvSpPr>
+        <p:spPr/>
+        <p:txBody>
+          <a:bodyPr/>
+          <a:lstStyle/>
+          <a:p>
+            <a:fld id="{BFD09D41-2074-44CA-991B-345C2D7F7EA5}" type="slidenum">
+              <a:rPr lang="en-US" smtClean="0"/>
+              <a:t>6</a:t>
+            </a:fld>
+            <a:endParaRPr lang="en-US"/>
+          </a:p>
+        </p:txBody>
+      </p:sp>
+    </p:spTree>
+    <p:extLst>
+      <p:ext uri="{BB962C8B-B14F-4D97-AF65-F5344CB8AC3E}">
+        <p14:creationId xmlns:p14="http://schemas.microsoft.com/office/powerpoint/2010/main" val="868769734"/>
+      </p:ext>
+    </p:extLst>
+  </p:cSld>
+  <p:clrMapOvr>
+    <a:masterClrMapping/>
+  </p:clrMapOvr>
+</p:notes>
+</file>
+
+<file path=ppt/notesSlides/notesSlide3.xml><?xml version="1.0" encoding="utf-8"?>
+<p:notes xmlns:a="http://schemas.openxmlformats.org/drawingml/2006/main" xmlns:r="http://schemas.openxmlformats.org/officeDocument/2006/relationships" xmlns:p="http://schemas.openxmlformats.org/presentationml/2006/main">
+  <p:cSld>
+    <p:spTree>
+      <p:nvGrpSpPr>
+        <p:cNvPr id="1" name=""/>
+        <p:cNvGrpSpPr/>
+        <p:nvPr/>
+      </p:nvGrpSpPr>
+      <p:grpSpPr>
+        <a:xfrm>
+          <a:off x="0" y="0"/>
+          <a:ext cx="0" cy="0"/>
+          <a:chOff x="0" y="0"/>
+          <a:chExt cx="0" cy="0"/>
+        </a:xfrm>
+      </p:grpSpPr>
+      <p:sp>
+        <p:nvSpPr>
+          <p:cNvPr id="2" name="Folienbildplatzhalter 1"/>
+          <p:cNvSpPr>
+            <a:spLocks noGrp="1" noRot="1" noChangeAspect="1"/>
+          </p:cNvSpPr>
+          <p:nvPr>
+            <p:ph type="sldImg"/>
+          </p:nvPr>
+        </p:nvSpPr>
+        <p:spPr/>
+      </p:sp>
+      <p:sp>
+        <p:nvSpPr>
+          <p:cNvPr id="3" name="Notizenplatzhalter 2"/>
+          <p:cNvSpPr>
+            <a:spLocks noGrp="1"/>
+          </p:cNvSpPr>
+          <p:nvPr>
+            <p:ph type="body" idx="1"/>
+          </p:nvPr>
+        </p:nvSpPr>
+        <p:spPr/>
+        <p:txBody>
+          <a:bodyPr/>
+          <a:lstStyle/>
+          <a:p>
+            <a:endParaRPr lang="en-US" dirty="0"/>
+          </a:p>
+        </p:txBody>
+      </p:sp>
+      <p:sp>
+        <p:nvSpPr>
+          <p:cNvPr id="4" name="Foliennummernplatzhalter 3"/>
+          <p:cNvSpPr>
+            <a:spLocks noGrp="1"/>
+          </p:cNvSpPr>
+          <p:nvPr>
+            <p:ph type="sldNum" sz="quarter" idx="5"/>
+          </p:nvPr>
+        </p:nvSpPr>
+        <p:spPr/>
+        <p:txBody>
+          <a:bodyPr/>
+          <a:lstStyle/>
+          <a:p>
+            <a:fld id="{BFD09D41-2074-44CA-991B-345C2D7F7EA5}" type="slidenum">
+              <a:rPr lang="en-US" smtClean="0"/>
+              <a:t>7</a:t>
+            </a:fld>
+            <a:endParaRPr lang="en-US"/>
+          </a:p>
+        </p:txBody>
+      </p:sp>
+    </p:spTree>
+    <p:extLst>
+      <p:ext uri="{BB962C8B-B14F-4D97-AF65-F5344CB8AC3E}">
+        <p14:creationId xmlns:p14="http://schemas.microsoft.com/office/powerpoint/2010/main" val="3972028132"/>
       </p:ext>
     </p:extLst>
   </p:cSld>
@@ -3488,6 +3684,953 @@
 </p:sld>
 </file>
 
+<file path=ppt/slides/slide10.xml><?xml version="1.0" encoding="utf-8"?>
+<p:sld xmlns:a="http://schemas.openxmlformats.org/drawingml/2006/main" xmlns:r="http://schemas.openxmlformats.org/officeDocument/2006/relationships" xmlns:p="http://schemas.openxmlformats.org/presentationml/2006/main">
+  <p:cSld>
+    <p:spTree>
+      <p:nvGrpSpPr>
+        <p:cNvPr id="1" name=""/>
+        <p:cNvGrpSpPr/>
+        <p:nvPr/>
+      </p:nvGrpSpPr>
+      <p:grpSpPr>
+        <a:xfrm>
+          <a:off x="0" y="0"/>
+          <a:ext cx="0" cy="0"/>
+          <a:chOff x="0" y="0"/>
+          <a:chExt cx="0" cy="0"/>
+        </a:xfrm>
+      </p:grpSpPr>
+      <p:sp>
+        <p:nvSpPr>
+          <p:cNvPr id="2" name="Titel 1">
+            <a:extLst>
+              <a:ext uri="{FF2B5EF4-FFF2-40B4-BE49-F238E27FC236}">
+                <a16:creationId xmlns:a16="http://schemas.microsoft.com/office/drawing/2014/main" id="{785F78E3-B837-4A10-8D33-FE12B7C91477}"/>
+              </a:ext>
+            </a:extLst>
+          </p:cNvPr>
+          <p:cNvSpPr>
+            <a:spLocks noGrp="1"/>
+          </p:cNvSpPr>
+          <p:nvPr>
+            <p:ph type="title"/>
+          </p:nvPr>
+        </p:nvSpPr>
+        <p:spPr>
+          <a:xfrm>
+            <a:off x="372533" y="152400"/>
+            <a:ext cx="11642197" cy="1236133"/>
+          </a:xfrm>
+        </p:spPr>
+        <p:txBody>
+          <a:bodyPr/>
+          <a:lstStyle/>
+          <a:p>
+            <a:r>
+              <a:rPr lang="de-DE" dirty="0"/>
+              <a:t>Reduzierte Darstellung der Gesichter</a:t>
+            </a:r>
+            <a:endParaRPr lang="en-US" dirty="0"/>
+          </a:p>
+        </p:txBody>
+      </p:sp>
+      <p:sp>
+        <p:nvSpPr>
+          <p:cNvPr id="3" name="Inhaltsplatzhalter 2">
+            <a:extLst>
+              <a:ext uri="{FF2B5EF4-FFF2-40B4-BE49-F238E27FC236}">
+                <a16:creationId xmlns:a16="http://schemas.microsoft.com/office/drawing/2014/main" id="{52F75B1D-A004-41C4-8726-49FD7630B75B}"/>
+              </a:ext>
+            </a:extLst>
+          </p:cNvPr>
+          <p:cNvSpPr>
+            <a:spLocks noGrp="1"/>
+          </p:cNvSpPr>
+          <p:nvPr>
+            <p:ph idx="1"/>
+          </p:nvPr>
+        </p:nvSpPr>
+        <p:spPr>
+          <a:xfrm>
+            <a:off x="372533" y="1388533"/>
+            <a:ext cx="11642197" cy="10651067"/>
+          </a:xfrm>
+        </p:spPr>
+        <p:txBody>
+          <a:bodyPr/>
+          <a:lstStyle/>
+          <a:p>
+            <a:r>
+              <a:rPr lang="de-DE" dirty="0"/>
+              <a:t>Idee: Projektion von ursprünglichem Gesicht auf (selbstgewählte) Anzahl an Hauptkomponenten.</a:t>
+            </a:r>
+          </a:p>
+          <a:p>
+            <a:endParaRPr lang="de-DE" dirty="0"/>
+          </a:p>
+          <a:p>
+            <a:r>
+              <a:rPr lang="en-US" dirty="0" err="1"/>
+              <a:t>Durchführung</a:t>
+            </a:r>
+            <a:r>
+              <a:rPr lang="en-US" dirty="0"/>
+              <a:t> </a:t>
+            </a:r>
+            <a:r>
+              <a:rPr lang="en-US" dirty="0" err="1"/>
+              <a:t>mittels</a:t>
+            </a:r>
+            <a:r>
+              <a:rPr lang="en-US" dirty="0"/>
+              <a:t> </a:t>
+            </a:r>
+            <a:r>
+              <a:rPr lang="en-US" sz="3200" dirty="0">
+                <a:solidFill>
+                  <a:srgbClr val="333333"/>
+                </a:solidFill>
+                <a:latin typeface="Courier New" panose="02070309020205020404" pitchFamily="49" charset="0"/>
+                <a:cs typeface="Courier New" panose="02070309020205020404" pitchFamily="49" charset="0"/>
+              </a:rPr>
+              <a:t>FSP(</a:t>
+            </a:r>
+            <a:r>
+              <a:rPr lang="en-US" sz="3200" dirty="0" err="1">
+                <a:solidFill>
+                  <a:srgbClr val="333333"/>
+                </a:solidFill>
+                <a:latin typeface="Courier New" panose="02070309020205020404" pitchFamily="49" charset="0"/>
+                <a:cs typeface="Courier New" panose="02070309020205020404" pitchFamily="49" charset="0"/>
+              </a:rPr>
+              <a:t>img</a:t>
+            </a:r>
+            <a:r>
+              <a:rPr lang="en-US" sz="3200" dirty="0">
+                <a:solidFill>
+                  <a:srgbClr val="333333"/>
+                </a:solidFill>
+                <a:latin typeface="Courier New" panose="02070309020205020404" pitchFamily="49" charset="0"/>
+                <a:cs typeface="Courier New" panose="02070309020205020404" pitchFamily="49" charset="0"/>
+              </a:rPr>
+              <a:t>, eigenfaces, </a:t>
+            </a:r>
+            <a:r>
+              <a:rPr lang="en-US" sz="3200" dirty="0" err="1">
+                <a:solidFill>
+                  <a:srgbClr val="333333"/>
+                </a:solidFill>
+                <a:latin typeface="Courier New" panose="02070309020205020404" pitchFamily="49" charset="0"/>
+                <a:cs typeface="Courier New" panose="02070309020205020404" pitchFamily="49" charset="0"/>
+              </a:rPr>
+              <a:t>avgFace</a:t>
+            </a:r>
+            <a:r>
+              <a:rPr lang="en-US" sz="3200" dirty="0">
+                <a:solidFill>
+                  <a:srgbClr val="333333"/>
+                </a:solidFill>
+                <a:latin typeface="Courier New" panose="02070309020205020404" pitchFamily="49" charset="0"/>
+                <a:cs typeface="Courier New" panose="02070309020205020404" pitchFamily="49" charset="0"/>
+              </a:rPr>
+              <a:t>)</a:t>
+            </a:r>
+          </a:p>
+        </p:txBody>
+      </p:sp>
+    </p:spTree>
+    <p:extLst>
+      <p:ext uri="{BB962C8B-B14F-4D97-AF65-F5344CB8AC3E}">
+        <p14:creationId xmlns:p14="http://schemas.microsoft.com/office/powerpoint/2010/main" val="4120161623"/>
+      </p:ext>
+    </p:extLst>
+  </p:cSld>
+  <p:clrMapOvr>
+    <a:masterClrMapping/>
+  </p:clrMapOvr>
+</p:sld>
+</file>
+
+<file path=ppt/slides/slide11.xml><?xml version="1.0" encoding="utf-8"?>
+<p:sld xmlns:a="http://schemas.openxmlformats.org/drawingml/2006/main" xmlns:r="http://schemas.openxmlformats.org/officeDocument/2006/relationships" xmlns:p="http://schemas.openxmlformats.org/presentationml/2006/main">
+  <p:cSld>
+    <p:spTree>
+      <p:nvGrpSpPr>
+        <p:cNvPr id="1" name=""/>
+        <p:cNvGrpSpPr/>
+        <p:nvPr/>
+      </p:nvGrpSpPr>
+      <p:grpSpPr>
+        <a:xfrm>
+          <a:off x="0" y="0"/>
+          <a:ext cx="0" cy="0"/>
+          <a:chOff x="0" y="0"/>
+          <a:chExt cx="0" cy="0"/>
+        </a:xfrm>
+      </p:grpSpPr>
+      <p:sp>
+        <p:nvSpPr>
+          <p:cNvPr id="2" name="Titel 1">
+            <a:extLst>
+              <a:ext uri="{FF2B5EF4-FFF2-40B4-BE49-F238E27FC236}">
+                <a16:creationId xmlns:a16="http://schemas.microsoft.com/office/drawing/2014/main" id="{785F78E3-B837-4A10-8D33-FE12B7C91477}"/>
+              </a:ext>
+            </a:extLst>
+          </p:cNvPr>
+          <p:cNvSpPr>
+            <a:spLocks noGrp="1"/>
+          </p:cNvSpPr>
+          <p:nvPr>
+            <p:ph type="title"/>
+          </p:nvPr>
+        </p:nvSpPr>
+        <p:spPr>
+          <a:xfrm>
+            <a:off x="372533" y="152400"/>
+            <a:ext cx="11642197" cy="1236133"/>
+          </a:xfrm>
+        </p:spPr>
+        <p:txBody>
+          <a:bodyPr/>
+          <a:lstStyle/>
+          <a:p>
+            <a:r>
+              <a:rPr lang="de-DE" dirty="0"/>
+              <a:t>Gesichtserkennung</a:t>
+            </a:r>
+            <a:endParaRPr lang="en-US" dirty="0"/>
+          </a:p>
+        </p:txBody>
+      </p:sp>
+      <p:sp>
+        <p:nvSpPr>
+          <p:cNvPr id="3" name="Inhaltsplatzhalter 2">
+            <a:extLst>
+              <a:ext uri="{FF2B5EF4-FFF2-40B4-BE49-F238E27FC236}">
+                <a16:creationId xmlns:a16="http://schemas.microsoft.com/office/drawing/2014/main" id="{52F75B1D-A004-41C4-8726-49FD7630B75B}"/>
+              </a:ext>
+            </a:extLst>
+          </p:cNvPr>
+          <p:cNvSpPr>
+            <a:spLocks noGrp="1"/>
+          </p:cNvSpPr>
+          <p:nvPr>
+            <p:ph idx="1"/>
+          </p:nvPr>
+        </p:nvSpPr>
+        <p:spPr>
+          <a:xfrm>
+            <a:off x="372533" y="1388533"/>
+            <a:ext cx="11642197" cy="10651067"/>
+          </a:xfrm>
+        </p:spPr>
+        <p:txBody>
+          <a:bodyPr/>
+          <a:lstStyle/>
+          <a:p>
+            <a:r>
+              <a:rPr lang="de-DE" dirty="0"/>
+              <a:t>Idee: Finde ähnliche Gesichter durch Projektion auf Hauptkomponenten</a:t>
+            </a:r>
+          </a:p>
+          <a:p>
+            <a:endParaRPr lang="de-DE" dirty="0"/>
+          </a:p>
+          <a:p>
+            <a:r>
+              <a:rPr lang="de-DE" dirty="0"/>
+              <a:t>Veranschaulichung mittels eines Beispiels</a:t>
+            </a:r>
+          </a:p>
+          <a:p>
+            <a:endParaRPr lang="de-DE" dirty="0"/>
+          </a:p>
+          <a:p>
+            <a:r>
+              <a:rPr lang="de-DE" dirty="0"/>
+              <a:t>Laden der Klassen mittels </a:t>
+            </a:r>
+            <a:r>
+              <a:rPr lang="de-DE" sz="3200" dirty="0" err="1">
+                <a:latin typeface="Courier New" panose="02070309020205020404" pitchFamily="49" charset="0"/>
+                <a:cs typeface="Courier New" panose="02070309020205020404" pitchFamily="49" charset="0"/>
+              </a:rPr>
+              <a:t>load_classes_ef</a:t>
+            </a:r>
+            <a:r>
+              <a:rPr lang="de-DE" sz="3200" dirty="0">
+                <a:latin typeface="Courier New" panose="02070309020205020404" pitchFamily="49" charset="0"/>
+                <a:cs typeface="Courier New" panose="02070309020205020404" pitchFamily="49" charset="0"/>
+              </a:rPr>
+              <a:t>()</a:t>
+            </a:r>
+          </a:p>
+          <a:p>
+            <a:endParaRPr lang="de-DE" dirty="0"/>
+          </a:p>
+          <a:p>
+            <a:r>
+              <a:rPr lang="de-DE" dirty="0"/>
+              <a:t>Erstellen eines Scatterplots: Daten werden auf die ersten beiden Eigenvektoren projiziert</a:t>
+            </a:r>
+          </a:p>
+          <a:p>
+            <a:pPr marL="0" indent="0">
+              <a:buNone/>
+            </a:pPr>
+            <a:r>
+              <a:rPr lang="de-DE" dirty="0">
+                <a:highlight>
+                  <a:srgbClr val="FFFF00"/>
+                </a:highlight>
+              </a:rPr>
+              <a:t>Plots für Olivetti Faces und (!) MNIST</a:t>
+            </a:r>
+          </a:p>
+          <a:p>
+            <a:r>
+              <a:rPr lang="de-DE" dirty="0"/>
+              <a:t>Beobachtung:</a:t>
+            </a:r>
+          </a:p>
+          <a:p>
+            <a:pPr lvl="1"/>
+            <a:r>
+              <a:rPr lang="de-DE" dirty="0"/>
+              <a:t>Es bilden sich Cluster</a:t>
+            </a:r>
+          </a:p>
+          <a:p>
+            <a:pPr lvl="1"/>
+            <a:r>
+              <a:rPr lang="de-DE" dirty="0"/>
+              <a:t>einfache Klassifizierung trotz 2 dimensionaler Darstellung statt 64*64 bzw. 28*28 dimensionaler Darstellung</a:t>
+            </a:r>
+          </a:p>
+          <a:p>
+            <a:pPr lvl="1"/>
+            <a:endParaRPr lang="de-DE" dirty="0">
+              <a:highlight>
+                <a:srgbClr val="FFFF00"/>
+              </a:highlight>
+            </a:endParaRPr>
+          </a:p>
+        </p:txBody>
+      </p:sp>
+    </p:spTree>
+    <p:extLst>
+      <p:ext uri="{BB962C8B-B14F-4D97-AF65-F5344CB8AC3E}">
+        <p14:creationId xmlns:p14="http://schemas.microsoft.com/office/powerpoint/2010/main" val="2053240446"/>
+      </p:ext>
+    </p:extLst>
+  </p:cSld>
+  <p:clrMapOvr>
+    <a:masterClrMapping/>
+  </p:clrMapOvr>
+</p:sld>
+</file>
+
+<file path=ppt/slides/slide12.xml><?xml version="1.0" encoding="utf-8"?>
+<p:sld xmlns:a="http://schemas.openxmlformats.org/drawingml/2006/main" xmlns:r="http://schemas.openxmlformats.org/officeDocument/2006/relationships" xmlns:p="http://schemas.openxmlformats.org/presentationml/2006/main">
+  <p:cSld>
+    <p:spTree>
+      <p:nvGrpSpPr>
+        <p:cNvPr id="1" name=""/>
+        <p:cNvGrpSpPr/>
+        <p:nvPr/>
+      </p:nvGrpSpPr>
+      <p:grpSpPr>
+        <a:xfrm>
+          <a:off x="0" y="0"/>
+          <a:ext cx="0" cy="0"/>
+          <a:chOff x="0" y="0"/>
+          <a:chExt cx="0" cy="0"/>
+        </a:xfrm>
+      </p:grpSpPr>
+      <p:sp>
+        <p:nvSpPr>
+          <p:cNvPr id="2" name="Titel 1">
+            <a:extLst>
+              <a:ext uri="{FF2B5EF4-FFF2-40B4-BE49-F238E27FC236}">
+                <a16:creationId xmlns:a16="http://schemas.microsoft.com/office/drawing/2014/main" id="{785F78E3-B837-4A10-8D33-FE12B7C91477}"/>
+              </a:ext>
+            </a:extLst>
+          </p:cNvPr>
+          <p:cNvSpPr>
+            <a:spLocks noGrp="1"/>
+          </p:cNvSpPr>
+          <p:nvPr>
+            <p:ph type="title"/>
+          </p:nvPr>
+        </p:nvSpPr>
+        <p:spPr>
+          <a:xfrm>
+            <a:off x="372533" y="152400"/>
+            <a:ext cx="11642197" cy="1236133"/>
+          </a:xfrm>
+        </p:spPr>
+        <p:txBody>
+          <a:bodyPr/>
+          <a:lstStyle/>
+          <a:p>
+            <a:r>
+              <a:rPr lang="de-DE" dirty="0"/>
+              <a:t>Gesichtserkennung</a:t>
+            </a:r>
+            <a:endParaRPr lang="en-US" dirty="0"/>
+          </a:p>
+        </p:txBody>
+      </p:sp>
+      <p:sp>
+        <p:nvSpPr>
+          <p:cNvPr id="3" name="Inhaltsplatzhalter 2">
+            <a:extLst>
+              <a:ext uri="{FF2B5EF4-FFF2-40B4-BE49-F238E27FC236}">
+                <a16:creationId xmlns:a16="http://schemas.microsoft.com/office/drawing/2014/main" id="{52F75B1D-A004-41C4-8726-49FD7630B75B}"/>
+              </a:ext>
+            </a:extLst>
+          </p:cNvPr>
+          <p:cNvSpPr>
+            <a:spLocks noGrp="1"/>
+          </p:cNvSpPr>
+          <p:nvPr>
+            <p:ph idx="1"/>
+          </p:nvPr>
+        </p:nvSpPr>
+        <p:spPr>
+          <a:xfrm>
+            <a:off x="372533" y="1388533"/>
+            <a:ext cx="11642197" cy="10651067"/>
+          </a:xfrm>
+        </p:spPr>
+        <p:txBody>
+          <a:bodyPr/>
+          <a:lstStyle/>
+          <a:p>
+            <a:r>
+              <a:rPr lang="de-DE" dirty="0"/>
+              <a:t>Idee: Finde ähnliche Gesichter durch Projektion auf Hauptkomponenten</a:t>
+            </a:r>
+          </a:p>
+          <a:p>
+            <a:endParaRPr lang="de-DE" dirty="0"/>
+          </a:p>
+          <a:p>
+            <a:r>
+              <a:rPr lang="de-DE" dirty="0"/>
+              <a:t>Implementierung in </a:t>
+            </a:r>
+            <a:r>
+              <a:rPr lang="de-DE" dirty="0" err="1"/>
+              <a:t>eigenfaces</a:t>
+            </a:r>
+            <a:r>
+              <a:rPr lang="de-DE" dirty="0"/>
+              <a:t> mittels </a:t>
+            </a:r>
+            <a:r>
+              <a:rPr lang="en-US" sz="3200" b="0" i="0" dirty="0" err="1">
+                <a:solidFill>
+                  <a:srgbClr val="333333"/>
+                </a:solidFill>
+                <a:effectLst/>
+                <a:latin typeface="Courier New" panose="02070309020205020404" pitchFamily="49" charset="0"/>
+                <a:cs typeface="Courier New" panose="02070309020205020404" pitchFamily="49" charset="0"/>
+              </a:rPr>
+              <a:t>classification_ef</a:t>
+            </a:r>
+            <a:r>
+              <a:rPr lang="en-US" sz="3200" b="0" i="0" dirty="0">
+                <a:solidFill>
+                  <a:srgbClr val="333333"/>
+                </a:solidFill>
+                <a:effectLst/>
+                <a:latin typeface="Courier New" panose="02070309020205020404" pitchFamily="49" charset="0"/>
+                <a:cs typeface="Courier New" panose="02070309020205020404" pitchFamily="49" charset="0"/>
+              </a:rPr>
+              <a:t>(</a:t>
+            </a:r>
+            <a:r>
+              <a:rPr lang="en-US" sz="3200" b="0" i="0" dirty="0" err="1">
+                <a:solidFill>
+                  <a:srgbClr val="333333"/>
+                </a:solidFill>
+                <a:effectLst/>
+                <a:latin typeface="Courier New" panose="02070309020205020404" pitchFamily="49" charset="0"/>
+                <a:cs typeface="Courier New" panose="02070309020205020404" pitchFamily="49" charset="0"/>
+              </a:rPr>
+              <a:t>img</a:t>
+            </a:r>
+            <a:r>
+              <a:rPr lang="en-US" sz="3200" b="0" i="0" dirty="0">
+                <a:solidFill>
+                  <a:srgbClr val="333333"/>
+                </a:solidFill>
+                <a:effectLst/>
+                <a:latin typeface="Courier New" panose="02070309020205020404" pitchFamily="49" charset="0"/>
+                <a:cs typeface="Courier New" panose="02070309020205020404" pitchFamily="49" charset="0"/>
+              </a:rPr>
+              <a:t>, td, </a:t>
+            </a:r>
+            <a:r>
+              <a:rPr lang="en-US" sz="3200" b="0" i="0" dirty="0" err="1">
+                <a:solidFill>
+                  <a:srgbClr val="333333"/>
+                </a:solidFill>
+                <a:effectLst/>
+                <a:latin typeface="Courier New" panose="02070309020205020404" pitchFamily="49" charset="0"/>
+                <a:cs typeface="Courier New" panose="02070309020205020404" pitchFamily="49" charset="0"/>
+              </a:rPr>
+              <a:t>nclosest</a:t>
+            </a:r>
+            <a:r>
+              <a:rPr lang="en-US" sz="3200" b="0" i="0" dirty="0">
+                <a:solidFill>
+                  <a:srgbClr val="333333"/>
+                </a:solidFill>
+                <a:effectLst/>
+                <a:latin typeface="Courier New" panose="02070309020205020404" pitchFamily="49" charset="0"/>
+                <a:cs typeface="Courier New" panose="02070309020205020404" pitchFamily="49" charset="0"/>
+              </a:rPr>
+              <a:t> = 3, </a:t>
+            </a:r>
+            <a:r>
+              <a:rPr lang="en-US" sz="3200" b="0" i="0" dirty="0" err="1">
+                <a:solidFill>
+                  <a:srgbClr val="333333"/>
+                </a:solidFill>
+                <a:effectLst/>
+                <a:latin typeface="Courier New" panose="02070309020205020404" pitchFamily="49" charset="0"/>
+                <a:cs typeface="Courier New" panose="02070309020205020404" pitchFamily="49" charset="0"/>
+              </a:rPr>
+              <a:t>neigenfaces</a:t>
+            </a:r>
+            <a:r>
+              <a:rPr lang="en-US" sz="3200" b="0" i="0" dirty="0">
+                <a:solidFill>
+                  <a:srgbClr val="333333"/>
+                </a:solidFill>
+                <a:effectLst/>
+                <a:latin typeface="Courier New" panose="02070309020205020404" pitchFamily="49" charset="0"/>
+                <a:cs typeface="Courier New" panose="02070309020205020404" pitchFamily="49" charset="0"/>
+              </a:rPr>
+              <a:t> = 15, quick = FALSE)</a:t>
+            </a:r>
+          </a:p>
+          <a:p>
+            <a:endParaRPr lang="en-US" sz="3200" dirty="0">
+              <a:solidFill>
+                <a:srgbClr val="333333"/>
+              </a:solidFill>
+              <a:latin typeface="Courier New" panose="02070309020205020404" pitchFamily="49" charset="0"/>
+              <a:cs typeface="Courier New" panose="02070309020205020404" pitchFamily="49" charset="0"/>
+            </a:endParaRPr>
+          </a:p>
+          <a:p>
+            <a:r>
+              <a:rPr lang="en-US" dirty="0"/>
+              <a:t>Es </a:t>
+            </a:r>
+            <a:r>
+              <a:rPr lang="en-US" dirty="0" err="1"/>
+              <a:t>werden</a:t>
+            </a:r>
+            <a:r>
+              <a:rPr lang="en-US" dirty="0"/>
+              <a:t> die </a:t>
+            </a:r>
+            <a:r>
+              <a:rPr lang="en-US" sz="3200" dirty="0" err="1">
+                <a:latin typeface="Courier New" panose="02070309020205020404" pitchFamily="49" charset="0"/>
+                <a:cs typeface="Courier New" panose="02070309020205020404" pitchFamily="49" charset="0"/>
+              </a:rPr>
+              <a:t>nclosest</a:t>
+            </a:r>
+            <a:r>
+              <a:rPr lang="en-US" dirty="0"/>
+              <a:t> </a:t>
+            </a:r>
+            <a:r>
+              <a:rPr lang="en-US" dirty="0" err="1"/>
+              <a:t>Gesichter</a:t>
+            </a:r>
+            <a:r>
+              <a:rPr lang="en-US" dirty="0"/>
+              <a:t> </a:t>
+            </a:r>
+            <a:r>
+              <a:rPr lang="en-US" dirty="0" err="1"/>
+              <a:t>zu</a:t>
+            </a:r>
+            <a:r>
+              <a:rPr lang="en-US" dirty="0"/>
+              <a:t> </a:t>
+            </a:r>
+            <a:r>
+              <a:rPr lang="en-US" sz="3200" dirty="0" err="1">
+                <a:latin typeface="Courier New" panose="02070309020205020404" pitchFamily="49" charset="0"/>
+                <a:cs typeface="Courier New" panose="02070309020205020404" pitchFamily="49" charset="0"/>
+              </a:rPr>
+              <a:t>img</a:t>
+            </a:r>
+            <a:r>
+              <a:rPr lang="en-US" dirty="0"/>
+              <a:t> </a:t>
+            </a:r>
+            <a:r>
+              <a:rPr lang="en-US" dirty="0" err="1"/>
+              <a:t>ausgegeben</a:t>
+            </a:r>
+            <a:endParaRPr lang="de-DE" dirty="0"/>
+          </a:p>
+        </p:txBody>
+      </p:sp>
+    </p:spTree>
+    <p:extLst>
+      <p:ext uri="{BB962C8B-B14F-4D97-AF65-F5344CB8AC3E}">
+        <p14:creationId xmlns:p14="http://schemas.microsoft.com/office/powerpoint/2010/main" val="3455982310"/>
+      </p:ext>
+    </p:extLst>
+  </p:cSld>
+  <p:clrMapOvr>
+    <a:masterClrMapping/>
+  </p:clrMapOvr>
+</p:sld>
+</file>
+
+<file path=ppt/slides/slide13.xml><?xml version="1.0" encoding="utf-8"?>
+<p:sld xmlns:a="http://schemas.openxmlformats.org/drawingml/2006/main" xmlns:r="http://schemas.openxmlformats.org/officeDocument/2006/relationships" xmlns:p="http://schemas.openxmlformats.org/presentationml/2006/main">
+  <p:cSld>
+    <p:spTree>
+      <p:nvGrpSpPr>
+        <p:cNvPr id="1" name=""/>
+        <p:cNvGrpSpPr/>
+        <p:nvPr/>
+      </p:nvGrpSpPr>
+      <p:grpSpPr>
+        <a:xfrm>
+          <a:off x="0" y="0"/>
+          <a:ext cx="0" cy="0"/>
+          <a:chOff x="0" y="0"/>
+          <a:chExt cx="0" cy="0"/>
+        </a:xfrm>
+      </p:grpSpPr>
+      <p:sp>
+        <p:nvSpPr>
+          <p:cNvPr id="2" name="Titel 1">
+            <a:extLst>
+              <a:ext uri="{FF2B5EF4-FFF2-40B4-BE49-F238E27FC236}">
+                <a16:creationId xmlns:a16="http://schemas.microsoft.com/office/drawing/2014/main" id="{785F78E3-B837-4A10-8D33-FE12B7C91477}"/>
+              </a:ext>
+            </a:extLst>
+          </p:cNvPr>
+          <p:cNvSpPr>
+            <a:spLocks noGrp="1"/>
+          </p:cNvSpPr>
+          <p:nvPr>
+            <p:ph type="title"/>
+          </p:nvPr>
+        </p:nvSpPr>
+        <p:spPr>
+          <a:xfrm>
+            <a:off x="372533" y="152400"/>
+            <a:ext cx="11642197" cy="1236133"/>
+          </a:xfrm>
+        </p:spPr>
+        <p:txBody>
+          <a:bodyPr/>
+          <a:lstStyle/>
+          <a:p>
+            <a:r>
+              <a:rPr lang="de-DE" dirty="0" err="1"/>
+              <a:t>Shiny</a:t>
+            </a:r>
+            <a:r>
+              <a:rPr lang="de-DE" dirty="0"/>
+              <a:t> Apps</a:t>
+            </a:r>
+            <a:endParaRPr lang="en-US" dirty="0"/>
+          </a:p>
+        </p:txBody>
+      </p:sp>
+      <p:sp>
+        <p:nvSpPr>
+          <p:cNvPr id="3" name="Inhaltsplatzhalter 2">
+            <a:extLst>
+              <a:ext uri="{FF2B5EF4-FFF2-40B4-BE49-F238E27FC236}">
+                <a16:creationId xmlns:a16="http://schemas.microsoft.com/office/drawing/2014/main" id="{52F75B1D-A004-41C4-8726-49FD7630B75B}"/>
+              </a:ext>
+            </a:extLst>
+          </p:cNvPr>
+          <p:cNvSpPr>
+            <a:spLocks noGrp="1"/>
+          </p:cNvSpPr>
+          <p:nvPr>
+            <p:ph idx="1"/>
+          </p:nvPr>
+        </p:nvSpPr>
+        <p:spPr>
+          <a:xfrm>
+            <a:off x="372533" y="1388533"/>
+            <a:ext cx="11642197" cy="10651067"/>
+          </a:xfrm>
+        </p:spPr>
+        <p:txBody>
+          <a:bodyPr/>
+          <a:lstStyle/>
+          <a:p>
+            <a:r>
+              <a:rPr lang="de-DE" dirty="0"/>
+              <a:t>Eine spezifische </a:t>
+            </a:r>
+            <a:r>
+              <a:rPr lang="de-DE" dirty="0" err="1"/>
+              <a:t>Shiny</a:t>
+            </a:r>
+            <a:r>
+              <a:rPr lang="de-DE" dirty="0"/>
+              <a:t> App für den Olivetti Faces Datensatz lässt sich mittels </a:t>
+            </a:r>
+            <a:r>
+              <a:rPr lang="de-DE" sz="3200" dirty="0" err="1">
+                <a:latin typeface="Courier New" panose="02070309020205020404" pitchFamily="49" charset="0"/>
+                <a:cs typeface="Courier New" panose="02070309020205020404" pitchFamily="49" charset="0"/>
+              </a:rPr>
+              <a:t>runShiny_ef</a:t>
+            </a:r>
+            <a:r>
+              <a:rPr lang="de-DE" sz="3200" dirty="0">
+                <a:latin typeface="Courier New" panose="02070309020205020404" pitchFamily="49" charset="0"/>
+                <a:cs typeface="Courier New" panose="02070309020205020404" pitchFamily="49" charset="0"/>
+              </a:rPr>
+              <a:t>()</a:t>
+            </a:r>
+            <a:r>
+              <a:rPr lang="de-DE" dirty="0"/>
+              <a:t> aufrufen</a:t>
+            </a:r>
+          </a:p>
+          <a:p>
+            <a:endParaRPr lang="de-DE" dirty="0"/>
+          </a:p>
+          <a:p>
+            <a:r>
+              <a:rPr lang="de-DE" dirty="0"/>
+              <a:t>Für allgemeine Datensätze kann </a:t>
+            </a:r>
+            <a:r>
+              <a:rPr lang="de-DE" sz="3200" dirty="0" err="1">
+                <a:latin typeface="Courier New" panose="02070309020205020404" pitchFamily="49" charset="0"/>
+                <a:cs typeface="Courier New" panose="02070309020205020404" pitchFamily="49" charset="0"/>
+              </a:rPr>
+              <a:t>runShiny_general</a:t>
+            </a:r>
+            <a:r>
+              <a:rPr lang="de-DE" sz="3200" dirty="0">
+                <a:latin typeface="Courier New" panose="02070309020205020404" pitchFamily="49" charset="0"/>
+                <a:cs typeface="Courier New" panose="02070309020205020404" pitchFamily="49" charset="0"/>
+              </a:rPr>
+              <a:t>(</a:t>
+            </a:r>
+            <a:r>
+              <a:rPr lang="de-DE" sz="3200" dirty="0" err="1">
+                <a:latin typeface="Courier New" panose="02070309020205020404" pitchFamily="49" charset="0"/>
+                <a:cs typeface="Courier New" panose="02070309020205020404" pitchFamily="49" charset="0"/>
+              </a:rPr>
+              <a:t>td</a:t>
+            </a:r>
+            <a:r>
+              <a:rPr lang="de-DE" sz="3200" dirty="0">
+                <a:latin typeface="Courier New" panose="02070309020205020404" pitchFamily="49" charset="0"/>
+                <a:cs typeface="Courier New" panose="02070309020205020404" pitchFamily="49" charset="0"/>
+              </a:rPr>
+              <a:t>)</a:t>
+            </a:r>
+            <a:r>
+              <a:rPr lang="de-DE" dirty="0"/>
+              <a:t> verwendet werden</a:t>
+            </a:r>
+          </a:p>
+          <a:p>
+            <a:endParaRPr lang="de-DE" dirty="0"/>
+          </a:p>
+          <a:p>
+            <a:r>
+              <a:rPr lang="de-DE" dirty="0"/>
+              <a:t>Funktionen:</a:t>
+            </a:r>
+          </a:p>
+          <a:p>
+            <a:pPr lvl="1"/>
+            <a:r>
+              <a:rPr lang="de-DE" dirty="0"/>
+              <a:t>Darstellung der Bilder des Datensatzes</a:t>
+            </a:r>
+          </a:p>
+          <a:p>
+            <a:pPr lvl="1"/>
+            <a:r>
+              <a:rPr lang="de-DE" dirty="0"/>
+              <a:t>Darstellung der Eigenvektoren</a:t>
+            </a:r>
+          </a:p>
+          <a:p>
+            <a:pPr lvl="1"/>
+            <a:r>
+              <a:rPr lang="de-DE" dirty="0"/>
+              <a:t>Darstellung von rekonstruierten Bildern</a:t>
+            </a:r>
+          </a:p>
+        </p:txBody>
+      </p:sp>
+    </p:spTree>
+    <p:extLst>
+      <p:ext uri="{BB962C8B-B14F-4D97-AF65-F5344CB8AC3E}">
+        <p14:creationId xmlns:p14="http://schemas.microsoft.com/office/powerpoint/2010/main" val="2704769989"/>
+      </p:ext>
+    </p:extLst>
+  </p:cSld>
+  <p:clrMapOvr>
+    <a:masterClrMapping/>
+  </p:clrMapOvr>
+</p:sld>
+</file>
+
+<file path=ppt/slides/slide14.xml><?xml version="1.0" encoding="utf-8"?>
+<p:sld xmlns:a="http://schemas.openxmlformats.org/drawingml/2006/main" xmlns:r="http://schemas.openxmlformats.org/officeDocument/2006/relationships" xmlns:p="http://schemas.openxmlformats.org/presentationml/2006/main">
+  <p:cSld>
+    <p:spTree>
+      <p:nvGrpSpPr>
+        <p:cNvPr id="1" name=""/>
+        <p:cNvGrpSpPr/>
+        <p:nvPr/>
+      </p:nvGrpSpPr>
+      <p:grpSpPr>
+        <a:xfrm>
+          <a:off x="0" y="0"/>
+          <a:ext cx="0" cy="0"/>
+          <a:chOff x="0" y="0"/>
+          <a:chExt cx="0" cy="0"/>
+        </a:xfrm>
+      </p:grpSpPr>
+      <p:sp>
+        <p:nvSpPr>
+          <p:cNvPr id="2" name="Titel 1">
+            <a:extLst>
+              <a:ext uri="{FF2B5EF4-FFF2-40B4-BE49-F238E27FC236}">
+                <a16:creationId xmlns:a16="http://schemas.microsoft.com/office/drawing/2014/main" id="{785F78E3-B837-4A10-8D33-FE12B7C91477}"/>
+              </a:ext>
+            </a:extLst>
+          </p:cNvPr>
+          <p:cNvSpPr>
+            <a:spLocks noGrp="1"/>
+          </p:cNvSpPr>
+          <p:nvPr>
+            <p:ph type="title"/>
+          </p:nvPr>
+        </p:nvSpPr>
+        <p:spPr>
+          <a:xfrm>
+            <a:off x="372533" y="152400"/>
+            <a:ext cx="11642197" cy="1236133"/>
+          </a:xfrm>
+        </p:spPr>
+        <p:txBody>
+          <a:bodyPr/>
+          <a:lstStyle/>
+          <a:p>
+            <a:r>
+              <a:rPr lang="de-DE" dirty="0"/>
+              <a:t>Weitere Funktionen</a:t>
+            </a:r>
+            <a:endParaRPr lang="en-US" dirty="0"/>
+          </a:p>
+        </p:txBody>
+      </p:sp>
+      <p:sp>
+        <p:nvSpPr>
+          <p:cNvPr id="3" name="Inhaltsplatzhalter 2">
+            <a:extLst>
+              <a:ext uri="{FF2B5EF4-FFF2-40B4-BE49-F238E27FC236}">
+                <a16:creationId xmlns:a16="http://schemas.microsoft.com/office/drawing/2014/main" id="{52F75B1D-A004-41C4-8726-49FD7630B75B}"/>
+              </a:ext>
+            </a:extLst>
+          </p:cNvPr>
+          <p:cNvSpPr>
+            <a:spLocks noGrp="1"/>
+          </p:cNvSpPr>
+          <p:nvPr>
+            <p:ph idx="1"/>
+          </p:nvPr>
+        </p:nvSpPr>
+        <p:spPr>
+          <a:xfrm>
+            <a:off x="372533" y="1388533"/>
+            <a:ext cx="11642197" cy="10651067"/>
+          </a:xfrm>
+        </p:spPr>
+        <p:txBody>
+          <a:bodyPr/>
+          <a:lstStyle/>
+          <a:p>
+            <a:r>
+              <a:rPr lang="de-DE" dirty="0"/>
+              <a:t>Speichern von Bildern mittels </a:t>
+            </a:r>
+            <a:r>
+              <a:rPr lang="de-DE" sz="3200" dirty="0" err="1">
+                <a:latin typeface="Courier New" panose="02070309020205020404" pitchFamily="49" charset="0"/>
+                <a:cs typeface="Courier New" panose="02070309020205020404" pitchFamily="49" charset="0"/>
+              </a:rPr>
+              <a:t>save_image_ef</a:t>
+            </a:r>
+            <a:r>
+              <a:rPr lang="de-DE" sz="3200" dirty="0">
+                <a:latin typeface="Courier New" panose="02070309020205020404" pitchFamily="49" charset="0"/>
+                <a:cs typeface="Courier New" panose="02070309020205020404" pitchFamily="49" charset="0"/>
+              </a:rPr>
+              <a:t>()</a:t>
+            </a:r>
+            <a:endParaRPr lang="de-DE" dirty="0">
+              <a:latin typeface="Courier New" panose="02070309020205020404" pitchFamily="49" charset="0"/>
+              <a:cs typeface="Courier New" panose="02070309020205020404" pitchFamily="49" charset="0"/>
+            </a:endParaRPr>
+          </a:p>
+          <a:p>
+            <a:endParaRPr lang="de-DE" dirty="0"/>
+          </a:p>
+          <a:p>
+            <a:pPr marL="0" indent="0">
+              <a:buNone/>
+            </a:pPr>
+            <a:r>
+              <a:rPr lang="de-DE" dirty="0">
+                <a:highlight>
+                  <a:srgbClr val="FFFF00"/>
+                </a:highlight>
+              </a:rPr>
+              <a:t>Gibt’s sonst noch was?</a:t>
+            </a:r>
+          </a:p>
+          <a:p>
+            <a:endParaRPr lang="de-DE" dirty="0"/>
+          </a:p>
+        </p:txBody>
+      </p:sp>
+    </p:spTree>
+    <p:extLst>
+      <p:ext uri="{BB962C8B-B14F-4D97-AF65-F5344CB8AC3E}">
+        <p14:creationId xmlns:p14="http://schemas.microsoft.com/office/powerpoint/2010/main" val="184762482"/>
+      </p:ext>
+    </p:extLst>
+  </p:cSld>
+  <p:clrMapOvr>
+    <a:masterClrMapping/>
+  </p:clrMapOvr>
+</p:sld>
+</file>
+
 <file path=ppt/slides/slide2.xml><?xml version="1.0" encoding="utf-8"?>
 <p:sld xmlns:a="http://schemas.openxmlformats.org/drawingml/2006/main" xmlns:r="http://schemas.openxmlformats.org/officeDocument/2006/relationships" xmlns:p="http://schemas.openxmlformats.org/presentationml/2006/main">
   <p:cSld>
@@ -3571,10 +4714,16 @@
             </a:r>
           </a:p>
           <a:p>
+            <a:endParaRPr lang="de-DE" dirty="0"/>
+          </a:p>
+          <a:p>
             <a:r>
               <a:rPr lang="de-DE" dirty="0"/>
               <a:t>Das Layout ist so optimiert, dass man es aufs Marcel coolem Computer perfekt darstellen kann</a:t>
             </a:r>
+          </a:p>
+          <a:p>
+            <a:endParaRPr lang="de-DE" dirty="0"/>
           </a:p>
           <a:p>
             <a:r>
@@ -3676,6 +4825,2063 @@
     <p:extLst>
       <p:ext uri="{BB962C8B-B14F-4D97-AF65-F5344CB8AC3E}">
         <p14:creationId xmlns:p14="http://schemas.microsoft.com/office/powerpoint/2010/main" val="2671128886"/>
+      </p:ext>
+    </p:extLst>
+  </p:cSld>
+  <p:clrMapOvr>
+    <a:masterClrMapping/>
+  </p:clrMapOvr>
+</p:sld>
+</file>
+
+<file path=ppt/slides/slide4.xml><?xml version="1.0" encoding="utf-8"?>
+<p:sld xmlns:a="http://schemas.openxmlformats.org/drawingml/2006/main" xmlns:r="http://schemas.openxmlformats.org/officeDocument/2006/relationships" xmlns:p="http://schemas.openxmlformats.org/presentationml/2006/main">
+  <p:cSld>
+    <p:spTree>
+      <p:nvGrpSpPr>
+        <p:cNvPr id="1" name=""/>
+        <p:cNvGrpSpPr/>
+        <p:nvPr/>
+      </p:nvGrpSpPr>
+      <p:grpSpPr>
+        <a:xfrm>
+          <a:off x="0" y="0"/>
+          <a:ext cx="0" cy="0"/>
+          <a:chOff x="0" y="0"/>
+          <a:chExt cx="0" cy="0"/>
+        </a:xfrm>
+      </p:grpSpPr>
+      <p:sp>
+        <p:nvSpPr>
+          <p:cNvPr id="2" name="Titel 1">
+            <a:extLst>
+              <a:ext uri="{FF2B5EF4-FFF2-40B4-BE49-F238E27FC236}">
+                <a16:creationId xmlns:a16="http://schemas.microsoft.com/office/drawing/2014/main" id="{785F78E3-B837-4A10-8D33-FE12B7C91477}"/>
+              </a:ext>
+            </a:extLst>
+          </p:cNvPr>
+          <p:cNvSpPr>
+            <a:spLocks noGrp="1"/>
+          </p:cNvSpPr>
+          <p:nvPr>
+            <p:ph type="title"/>
+          </p:nvPr>
+        </p:nvSpPr>
+        <p:spPr>
+          <a:xfrm>
+            <a:off x="372533" y="152400"/>
+            <a:ext cx="11642197" cy="1236133"/>
+          </a:xfrm>
+        </p:spPr>
+        <p:txBody>
+          <a:bodyPr/>
+          <a:lstStyle/>
+          <a:p>
+            <a:r>
+              <a:rPr lang="de-DE" dirty="0"/>
+              <a:t>Motivation</a:t>
+            </a:r>
+            <a:endParaRPr lang="en-US" dirty="0"/>
+          </a:p>
+        </p:txBody>
+      </p:sp>
+      <p:sp>
+        <p:nvSpPr>
+          <p:cNvPr id="3" name="Inhaltsplatzhalter 2">
+            <a:extLst>
+              <a:ext uri="{FF2B5EF4-FFF2-40B4-BE49-F238E27FC236}">
+                <a16:creationId xmlns:a16="http://schemas.microsoft.com/office/drawing/2014/main" id="{52F75B1D-A004-41C4-8726-49FD7630B75B}"/>
+              </a:ext>
+            </a:extLst>
+          </p:cNvPr>
+          <p:cNvSpPr>
+            <a:spLocks noGrp="1"/>
+          </p:cNvSpPr>
+          <p:nvPr>
+            <p:ph idx="1"/>
+          </p:nvPr>
+        </p:nvSpPr>
+        <p:spPr>
+          <a:xfrm>
+            <a:off x="372533" y="1388533"/>
+            <a:ext cx="11642197" cy="10651067"/>
+          </a:xfrm>
+        </p:spPr>
+        <p:txBody>
+          <a:bodyPr/>
+          <a:lstStyle/>
+          <a:p>
+            <a:r>
+              <a:rPr lang="de-DE" dirty="0"/>
+              <a:t>Reduzierung Dimension eines Datensatzes</a:t>
+            </a:r>
+          </a:p>
+          <a:p>
+            <a:endParaRPr lang="de-DE" dirty="0"/>
+          </a:p>
+          <a:p>
+            <a:r>
+              <a:rPr lang="de-DE" dirty="0"/>
+              <a:t>Weniger Rechenleistung</a:t>
+            </a:r>
+          </a:p>
+          <a:p>
+            <a:endParaRPr lang="de-DE" dirty="0"/>
+          </a:p>
+          <a:p>
+            <a:r>
+              <a:rPr lang="de-DE" dirty="0"/>
+              <a:t>Ermöglicht einfache und schelle Klassifizierung</a:t>
+            </a:r>
+          </a:p>
+          <a:p>
+            <a:endParaRPr lang="de-DE" dirty="0"/>
+          </a:p>
+          <a:p>
+            <a:r>
+              <a:rPr lang="de-DE" dirty="0"/>
+              <a:t>Beispiel:</a:t>
+            </a:r>
+          </a:p>
+          <a:p>
+            <a:pPr lvl="1"/>
+            <a:r>
+              <a:rPr lang="de-DE" dirty="0"/>
+              <a:t>Vor PCA: Vergleich mittels euklidischen Abstandes eines 64x64 </a:t>
+            </a:r>
+            <a:r>
+              <a:rPr lang="de-DE" dirty="0" err="1"/>
+              <a:t>px</a:t>
+            </a:r>
+            <a:r>
+              <a:rPr lang="de-DE" dirty="0"/>
+              <a:t> Bild -&gt; 64*64 = 4096 Vergleiche</a:t>
+            </a:r>
+          </a:p>
+          <a:p>
+            <a:pPr lvl="1"/>
+            <a:r>
+              <a:rPr lang="de-DE" dirty="0"/>
+              <a:t>Nach PCA: Projektion auf 10 Eigenvektoren -&gt; 10 Vergleiche</a:t>
+            </a:r>
+          </a:p>
+          <a:p>
+            <a:pPr lvl="1"/>
+            <a:r>
+              <a:rPr lang="de-DE" dirty="0">
+                <a:highlight>
+                  <a:srgbClr val="FFFF00"/>
+                </a:highlight>
+              </a:rPr>
+              <a:t>Vergleich ist später wahrscheinlich besser oder</a:t>
+            </a:r>
+          </a:p>
+        </p:txBody>
+      </p:sp>
+    </p:spTree>
+    <p:extLst>
+      <p:ext uri="{BB962C8B-B14F-4D97-AF65-F5344CB8AC3E}">
+        <p14:creationId xmlns:p14="http://schemas.microsoft.com/office/powerpoint/2010/main" val="3107651251"/>
+      </p:ext>
+    </p:extLst>
+  </p:cSld>
+  <p:clrMapOvr>
+    <a:masterClrMapping/>
+  </p:clrMapOvr>
+</p:sld>
+</file>
+
+<file path=ppt/slides/slide5.xml><?xml version="1.0" encoding="utf-8"?>
+<p:sld xmlns:a="http://schemas.openxmlformats.org/drawingml/2006/main" xmlns:r="http://schemas.openxmlformats.org/officeDocument/2006/relationships" xmlns:p="http://schemas.openxmlformats.org/presentationml/2006/main">
+  <p:cSld>
+    <p:spTree>
+      <p:nvGrpSpPr>
+        <p:cNvPr id="1" name=""/>
+        <p:cNvGrpSpPr/>
+        <p:nvPr/>
+      </p:nvGrpSpPr>
+      <p:grpSpPr>
+        <a:xfrm>
+          <a:off x="0" y="0"/>
+          <a:ext cx="0" cy="0"/>
+          <a:chOff x="0" y="0"/>
+          <a:chExt cx="0" cy="0"/>
+        </a:xfrm>
+      </p:grpSpPr>
+      <p:sp>
+        <p:nvSpPr>
+          <p:cNvPr id="2" name="Titel 1">
+            <a:extLst>
+              <a:ext uri="{FF2B5EF4-FFF2-40B4-BE49-F238E27FC236}">
+                <a16:creationId xmlns:a16="http://schemas.microsoft.com/office/drawing/2014/main" id="{785F78E3-B837-4A10-8D33-FE12B7C91477}"/>
+              </a:ext>
+            </a:extLst>
+          </p:cNvPr>
+          <p:cNvSpPr>
+            <a:spLocks noGrp="1"/>
+          </p:cNvSpPr>
+          <p:nvPr>
+            <p:ph type="title"/>
+          </p:nvPr>
+        </p:nvSpPr>
+        <p:spPr>
+          <a:xfrm>
+            <a:off x="372533" y="152400"/>
+            <a:ext cx="11642197" cy="1236133"/>
+          </a:xfrm>
+        </p:spPr>
+        <p:txBody>
+          <a:bodyPr/>
+          <a:lstStyle/>
+          <a:p>
+            <a:r>
+              <a:rPr lang="de-DE" dirty="0"/>
+              <a:t>Hauptkomponentenanalyse (PCA)</a:t>
+            </a:r>
+            <a:endParaRPr lang="en-US" dirty="0"/>
+          </a:p>
+        </p:txBody>
+      </p:sp>
+      <p:sp>
+        <p:nvSpPr>
+          <p:cNvPr id="3" name="Inhaltsplatzhalter 2">
+            <a:extLst>
+              <a:ext uri="{FF2B5EF4-FFF2-40B4-BE49-F238E27FC236}">
+                <a16:creationId xmlns:a16="http://schemas.microsoft.com/office/drawing/2014/main" id="{52F75B1D-A004-41C4-8726-49FD7630B75B}"/>
+              </a:ext>
+            </a:extLst>
+          </p:cNvPr>
+          <p:cNvSpPr>
+            <a:spLocks noGrp="1"/>
+          </p:cNvSpPr>
+          <p:nvPr>
+            <p:ph idx="1"/>
+          </p:nvPr>
+        </p:nvSpPr>
+        <p:spPr>
+          <a:xfrm>
+            <a:off x="372533" y="1388533"/>
+            <a:ext cx="11642197" cy="10651067"/>
+          </a:xfrm>
+        </p:spPr>
+        <p:txBody>
+          <a:bodyPr/>
+          <a:lstStyle/>
+          <a:p>
+            <a:r>
+              <a:rPr lang="de-DE" dirty="0"/>
+              <a:t>Idee: Die Korrelation mehrdimensionaler Merkmale wird durch Überführung in einen Vektorraum mit neuer Basis minimiert</a:t>
+            </a:r>
+          </a:p>
+          <a:p>
+            <a:endParaRPr lang="de-DE" dirty="0"/>
+          </a:p>
+          <a:p>
+            <a:r>
+              <a:rPr lang="de-DE" dirty="0"/>
+              <a:t>Konkrete Durchführung</a:t>
+            </a:r>
+          </a:p>
+          <a:p>
+            <a:pPr marL="0" indent="0">
+              <a:buNone/>
+            </a:pPr>
+            <a:r>
+              <a:rPr lang="de-DE" dirty="0"/>
+              <a:t>0.   </a:t>
+            </a:r>
+            <a:r>
+              <a:rPr lang="de-DE" sz="1800" dirty="0"/>
+              <a:t> </a:t>
+            </a:r>
+            <a:r>
+              <a:rPr lang="de-DE" dirty="0"/>
+              <a:t>Normalisierung der Daten</a:t>
+            </a:r>
+          </a:p>
+          <a:p>
+            <a:pPr marL="0" indent="0">
+              <a:buNone/>
+            </a:pPr>
+            <a:endParaRPr lang="de-DE" dirty="0"/>
+          </a:p>
+          <a:p>
+            <a:pPr marL="742950" indent="-742950">
+              <a:buAutoNum type="arabicPeriod"/>
+            </a:pPr>
+            <a:r>
+              <a:rPr lang="de-DE" dirty="0"/>
+              <a:t>Berechnung Durchschnittsvektor</a:t>
+            </a:r>
+          </a:p>
+          <a:p>
+            <a:pPr marL="742950" indent="-742950">
+              <a:buAutoNum type="arabicPeriod"/>
+            </a:pPr>
+            <a:endParaRPr lang="de-DE" dirty="0"/>
+          </a:p>
+          <a:p>
+            <a:pPr marL="742950" indent="-742950">
+              <a:buAutoNum type="arabicPeriod"/>
+            </a:pPr>
+            <a:r>
+              <a:rPr lang="de-DE" dirty="0"/>
+              <a:t>Subtraktion Durchschnittsvektors von Datensatz</a:t>
+            </a:r>
+          </a:p>
+          <a:p>
+            <a:pPr marL="742950" indent="-742950">
+              <a:buAutoNum type="arabicPeriod"/>
+            </a:pPr>
+            <a:endParaRPr lang="de-DE" dirty="0"/>
+          </a:p>
+          <a:p>
+            <a:pPr marL="742950" indent="-742950">
+              <a:buAutoNum type="arabicPeriod"/>
+            </a:pPr>
+            <a:r>
+              <a:rPr lang="de-DE" dirty="0"/>
+              <a:t>Kovarianzmatrix aufstellen</a:t>
+            </a:r>
+          </a:p>
+          <a:p>
+            <a:pPr marL="742950" indent="-742950">
+              <a:buAutoNum type="arabicPeriod"/>
+            </a:pPr>
+            <a:endParaRPr lang="de-DE" dirty="0"/>
+          </a:p>
+          <a:p>
+            <a:pPr marL="742950" indent="-742950">
+              <a:buAutoNum type="arabicPeriod"/>
+            </a:pPr>
+            <a:r>
+              <a:rPr lang="de-DE" dirty="0"/>
+              <a:t>Eigenvektoren von C bestimmen</a:t>
+            </a:r>
+          </a:p>
+          <a:p>
+            <a:endParaRPr lang="de-DE" dirty="0"/>
+          </a:p>
+          <a:p>
+            <a:endParaRPr lang="de-DE" dirty="0"/>
+          </a:p>
+        </p:txBody>
+      </p:sp>
+      <p:pic>
+        <p:nvPicPr>
+          <p:cNvPr id="6" name="Grafik 5">
+            <a:extLst>
+              <a:ext uri="{FF2B5EF4-FFF2-40B4-BE49-F238E27FC236}">
+                <a16:creationId xmlns:a16="http://schemas.microsoft.com/office/drawing/2014/main" id="{5E83FDDA-F581-4BA3-8752-7AE478272BE1}"/>
+              </a:ext>
+            </a:extLst>
+          </p:cNvPr>
+          <p:cNvPicPr>
+            <a:picLocks noChangeAspect="1"/>
+          </p:cNvPicPr>
+          <p:nvPr/>
+        </p:nvPicPr>
+        <p:blipFill>
+          <a:blip r:embed="rId2"/>
+          <a:stretch>
+            <a:fillRect/>
+          </a:stretch>
+        </p:blipFill>
+        <p:spPr>
+          <a:xfrm>
+            <a:off x="4843605" y="6486686"/>
+            <a:ext cx="2700052" cy="791395"/>
+          </a:xfrm>
+          <a:prstGeom prst="rect">
+            <a:avLst/>
+          </a:prstGeom>
+        </p:spPr>
+      </p:pic>
+      <p:pic>
+        <p:nvPicPr>
+          <p:cNvPr id="7" name="Grafik 6">
+            <a:extLst>
+              <a:ext uri="{FF2B5EF4-FFF2-40B4-BE49-F238E27FC236}">
+                <a16:creationId xmlns:a16="http://schemas.microsoft.com/office/drawing/2014/main" id="{F9F2C084-40F7-4123-9788-1EB00EC7392E}"/>
+              </a:ext>
+            </a:extLst>
+          </p:cNvPr>
+          <p:cNvPicPr>
+            <a:picLocks noChangeAspect="1"/>
+          </p:cNvPicPr>
+          <p:nvPr/>
+        </p:nvPicPr>
+        <p:blipFill>
+          <a:blip r:embed="rId3"/>
+          <a:stretch>
+            <a:fillRect/>
+          </a:stretch>
+        </p:blipFill>
+        <p:spPr>
+          <a:xfrm>
+            <a:off x="4664108" y="7890897"/>
+            <a:ext cx="3059046" cy="791395"/>
+          </a:xfrm>
+          <a:prstGeom prst="rect">
+            <a:avLst/>
+          </a:prstGeom>
+        </p:spPr>
+      </p:pic>
+      <p:pic>
+        <p:nvPicPr>
+          <p:cNvPr id="8" name="Grafik 7">
+            <a:extLst>
+              <a:ext uri="{FF2B5EF4-FFF2-40B4-BE49-F238E27FC236}">
+                <a16:creationId xmlns:a16="http://schemas.microsoft.com/office/drawing/2014/main" id="{C843B1C5-9A7A-4F5D-A146-39D8E489516A}"/>
+              </a:ext>
+            </a:extLst>
+          </p:cNvPr>
+          <p:cNvPicPr>
+            <a:picLocks noChangeAspect="1"/>
+          </p:cNvPicPr>
+          <p:nvPr/>
+        </p:nvPicPr>
+        <p:blipFill>
+          <a:blip r:embed="rId4"/>
+          <a:stretch>
+            <a:fillRect/>
+          </a:stretch>
+        </p:blipFill>
+        <p:spPr>
+          <a:xfrm>
+            <a:off x="5370974" y="9474867"/>
+            <a:ext cx="1645314" cy="484780"/>
+          </a:xfrm>
+          <a:prstGeom prst="rect">
+            <a:avLst/>
+          </a:prstGeom>
+        </p:spPr>
+      </p:pic>
+      <p:sp>
+        <p:nvSpPr>
+          <p:cNvPr id="10" name="Textfeld 9">
+            <a:extLst>
+              <a:ext uri="{FF2B5EF4-FFF2-40B4-BE49-F238E27FC236}">
+                <a16:creationId xmlns:a16="http://schemas.microsoft.com/office/drawing/2014/main" id="{679F9631-9C8D-449A-8695-33D71D37FFD0}"/>
+              </a:ext>
+            </a:extLst>
+          </p:cNvPr>
+          <p:cNvSpPr txBox="1"/>
+          <p:nvPr/>
+        </p:nvSpPr>
+        <p:spPr>
+          <a:xfrm>
+            <a:off x="6446376" y="4309116"/>
+            <a:ext cx="4686443" cy="1384995"/>
+          </a:xfrm>
+          <a:prstGeom prst="rect">
+            <a:avLst/>
+          </a:prstGeom>
+          <a:noFill/>
+        </p:spPr>
+        <p:txBody>
+          <a:bodyPr wrap="square">
+            <a:spAutoFit/>
+          </a:bodyPr>
+          <a:lstStyle/>
+          <a:p>
+            <a:pPr marL="0" indent="0">
+              <a:buNone/>
+            </a:pPr>
+            <a:r>
+              <a:rPr lang="de-DE" sz="2800" dirty="0">
+                <a:highlight>
+                  <a:srgbClr val="FFFF00"/>
+                </a:highlight>
+              </a:rPr>
+              <a:t>Sagen dass das halt generell gemacht werden sollte und nix mit PCA zu tun hat</a:t>
+            </a:r>
+          </a:p>
+        </p:txBody>
+      </p:sp>
+    </p:spTree>
+    <p:extLst>
+      <p:ext uri="{BB962C8B-B14F-4D97-AF65-F5344CB8AC3E}">
+        <p14:creationId xmlns:p14="http://schemas.microsoft.com/office/powerpoint/2010/main" val="1257469620"/>
+      </p:ext>
+    </p:extLst>
+  </p:cSld>
+  <p:clrMapOvr>
+    <a:masterClrMapping/>
+  </p:clrMapOvr>
+</p:sld>
+</file>
+
+<file path=ppt/slides/slide6.xml><?xml version="1.0" encoding="utf-8"?>
+<p:sld xmlns:a="http://schemas.openxmlformats.org/drawingml/2006/main" xmlns:r="http://schemas.openxmlformats.org/officeDocument/2006/relationships" xmlns:p="http://schemas.openxmlformats.org/presentationml/2006/main">
+  <p:cSld>
+    <p:spTree>
+      <p:nvGrpSpPr>
+        <p:cNvPr id="1" name=""/>
+        <p:cNvGrpSpPr/>
+        <p:nvPr/>
+      </p:nvGrpSpPr>
+      <p:grpSpPr>
+        <a:xfrm>
+          <a:off x="0" y="0"/>
+          <a:ext cx="0" cy="0"/>
+          <a:chOff x="0" y="0"/>
+          <a:chExt cx="0" cy="0"/>
+        </a:xfrm>
+      </p:grpSpPr>
+      <p:sp>
+        <p:nvSpPr>
+          <p:cNvPr id="2" name="Titel 1">
+            <a:extLst>
+              <a:ext uri="{FF2B5EF4-FFF2-40B4-BE49-F238E27FC236}">
+                <a16:creationId xmlns:a16="http://schemas.microsoft.com/office/drawing/2014/main" id="{785F78E3-B837-4A10-8D33-FE12B7C91477}"/>
+              </a:ext>
+            </a:extLst>
+          </p:cNvPr>
+          <p:cNvSpPr>
+            <a:spLocks noGrp="1"/>
+          </p:cNvSpPr>
+          <p:nvPr>
+            <p:ph type="title"/>
+          </p:nvPr>
+        </p:nvSpPr>
+        <p:spPr>
+          <a:xfrm>
+            <a:off x="372533" y="152400"/>
+            <a:ext cx="11642197" cy="1236133"/>
+          </a:xfrm>
+        </p:spPr>
+        <p:txBody>
+          <a:bodyPr/>
+          <a:lstStyle/>
+          <a:p>
+            <a:r>
+              <a:rPr lang="de-DE" dirty="0"/>
+              <a:t>Funktionen des Pakets</a:t>
+            </a:r>
+            <a:endParaRPr lang="en-US" dirty="0"/>
+          </a:p>
+        </p:txBody>
+      </p:sp>
+      <p:sp>
+        <p:nvSpPr>
+          <p:cNvPr id="3" name="Inhaltsplatzhalter 2">
+            <a:extLst>
+              <a:ext uri="{FF2B5EF4-FFF2-40B4-BE49-F238E27FC236}">
+                <a16:creationId xmlns:a16="http://schemas.microsoft.com/office/drawing/2014/main" id="{52F75B1D-A004-41C4-8726-49FD7630B75B}"/>
+              </a:ext>
+            </a:extLst>
+          </p:cNvPr>
+          <p:cNvSpPr>
+            <a:spLocks noGrp="1"/>
+          </p:cNvSpPr>
+          <p:nvPr>
+            <p:ph idx="1"/>
+          </p:nvPr>
+        </p:nvSpPr>
+        <p:spPr>
+          <a:xfrm>
+            <a:off x="372533" y="1388533"/>
+            <a:ext cx="11642197" cy="10651067"/>
+          </a:xfrm>
+        </p:spPr>
+        <p:txBody>
+          <a:bodyPr/>
+          <a:lstStyle/>
+          <a:p>
+            <a:r>
+              <a:rPr lang="de-DE" dirty="0">
+                <a:cs typeface="Courier New" panose="02070309020205020404" pitchFamily="49" charset="0"/>
+              </a:rPr>
+              <a:t>Einlesen von Datensätzen (orientiert am Format der Olivetti Faces) und einzelnen Bildern (z.B. .</a:t>
+            </a:r>
+            <a:r>
+              <a:rPr lang="de-DE" dirty="0" err="1">
+                <a:cs typeface="Courier New" panose="02070309020205020404" pitchFamily="49" charset="0"/>
+              </a:rPr>
+              <a:t>jpg</a:t>
+            </a:r>
+            <a:r>
+              <a:rPr lang="de-DE" dirty="0">
+                <a:cs typeface="Courier New" panose="02070309020205020404" pitchFamily="49" charset="0"/>
+              </a:rPr>
+              <a:t>)</a:t>
+            </a:r>
+          </a:p>
+          <a:p>
+            <a:endParaRPr lang="de-DE" dirty="0">
+              <a:cs typeface="Courier New" panose="02070309020205020404" pitchFamily="49" charset="0"/>
+            </a:endParaRPr>
+          </a:p>
+          <a:p>
+            <a:r>
+              <a:rPr lang="de-DE" dirty="0">
+                <a:cs typeface="Courier New" panose="02070309020205020404" pitchFamily="49" charset="0"/>
+              </a:rPr>
+              <a:t>Anwendung der Hauptkomponentenanalyse auf einen Datensatz</a:t>
+            </a:r>
+          </a:p>
+          <a:p>
+            <a:pPr lvl="1"/>
+            <a:r>
+              <a:rPr lang="de-DE" dirty="0">
+                <a:cs typeface="Courier New" panose="02070309020205020404" pitchFamily="49" charset="0"/>
+              </a:rPr>
+              <a:t>Ausgabe der wichtigsten n Eigengesichter eines Datensatzes</a:t>
+            </a:r>
+          </a:p>
+          <a:p>
+            <a:pPr lvl="1"/>
+            <a:r>
+              <a:rPr lang="de-DE" dirty="0">
+                <a:cs typeface="Courier New" panose="02070309020205020404" pitchFamily="49" charset="0"/>
+              </a:rPr>
+              <a:t>Finden ähnlicher Gesichter für ein gegebenes neues Gesicht durch Projektion auf die Hauptkomponenten</a:t>
+            </a:r>
+          </a:p>
+          <a:p>
+            <a:pPr lvl="1"/>
+            <a:r>
+              <a:rPr lang="de-DE" dirty="0">
+                <a:cs typeface="Courier New" panose="02070309020205020404" pitchFamily="49" charset="0"/>
+              </a:rPr>
+              <a:t>Darstellung von Bildern im Datensatz mit reduzierter Anzahl an Hauptkomponenten</a:t>
+            </a:r>
+          </a:p>
+          <a:p>
+            <a:pPr marL="619369" lvl="1" indent="0">
+              <a:buNone/>
+            </a:pPr>
+            <a:endParaRPr lang="de-DE" dirty="0">
+              <a:cs typeface="Courier New" panose="02070309020205020404" pitchFamily="49" charset="0"/>
+            </a:endParaRPr>
+          </a:p>
+          <a:p>
+            <a:r>
+              <a:rPr lang="de-DE" dirty="0" err="1">
+                <a:cs typeface="Courier New" panose="02070309020205020404" pitchFamily="49" charset="0"/>
+              </a:rPr>
+              <a:t>Shiny</a:t>
+            </a:r>
+            <a:r>
+              <a:rPr lang="de-DE" dirty="0">
+                <a:cs typeface="Courier New" panose="02070309020205020404" pitchFamily="49" charset="0"/>
+              </a:rPr>
+              <a:t>-App zur interaktiven Nutzung einiger Funktionen des Pakets</a:t>
+            </a:r>
+          </a:p>
+          <a:p>
+            <a:endParaRPr lang="de-DE" dirty="0">
+              <a:cs typeface="Courier New" panose="02070309020205020404" pitchFamily="49" charset="0"/>
+            </a:endParaRPr>
+          </a:p>
+          <a:p>
+            <a:r>
+              <a:rPr lang="de-DE" dirty="0">
+                <a:cs typeface="Courier New" panose="02070309020205020404" pitchFamily="49" charset="0"/>
+              </a:rPr>
+              <a:t>Abspeichern einzelner Bilder (z.B. .</a:t>
+            </a:r>
+            <a:r>
+              <a:rPr lang="de-DE" dirty="0" err="1">
+                <a:cs typeface="Courier New" panose="02070309020205020404" pitchFamily="49" charset="0"/>
+              </a:rPr>
+              <a:t>jpg</a:t>
+            </a:r>
+            <a:r>
+              <a:rPr lang="de-DE" dirty="0">
+                <a:cs typeface="Courier New" panose="02070309020205020404" pitchFamily="49" charset="0"/>
+              </a:rPr>
+              <a:t>)</a:t>
+            </a:r>
+          </a:p>
+        </p:txBody>
+      </p:sp>
+    </p:spTree>
+    <p:extLst>
+      <p:ext uri="{BB962C8B-B14F-4D97-AF65-F5344CB8AC3E}">
+        <p14:creationId xmlns:p14="http://schemas.microsoft.com/office/powerpoint/2010/main" val="3178080774"/>
+      </p:ext>
+    </p:extLst>
+  </p:cSld>
+  <p:clrMapOvr>
+    <a:masterClrMapping/>
+  </p:clrMapOvr>
+</p:sld>
+</file>
+
+<file path=ppt/slides/slide7.xml><?xml version="1.0" encoding="utf-8"?>
+<p:sld xmlns:a="http://schemas.openxmlformats.org/drawingml/2006/main" xmlns:r="http://schemas.openxmlformats.org/officeDocument/2006/relationships" xmlns:p="http://schemas.openxmlformats.org/presentationml/2006/main">
+  <p:cSld>
+    <p:spTree>
+      <p:nvGrpSpPr>
+        <p:cNvPr id="1" name=""/>
+        <p:cNvGrpSpPr/>
+        <p:nvPr/>
+      </p:nvGrpSpPr>
+      <p:grpSpPr>
+        <a:xfrm>
+          <a:off x="0" y="0"/>
+          <a:ext cx="0" cy="0"/>
+          <a:chOff x="0" y="0"/>
+          <a:chExt cx="0" cy="0"/>
+        </a:xfrm>
+      </p:grpSpPr>
+      <p:sp>
+        <p:nvSpPr>
+          <p:cNvPr id="2" name="Titel 1">
+            <a:extLst>
+              <a:ext uri="{FF2B5EF4-FFF2-40B4-BE49-F238E27FC236}">
+                <a16:creationId xmlns:a16="http://schemas.microsoft.com/office/drawing/2014/main" id="{785F78E3-B837-4A10-8D33-FE12B7C91477}"/>
+              </a:ext>
+            </a:extLst>
+          </p:cNvPr>
+          <p:cNvSpPr>
+            <a:spLocks noGrp="1"/>
+          </p:cNvSpPr>
+          <p:nvPr>
+            <p:ph type="title"/>
+          </p:nvPr>
+        </p:nvSpPr>
+        <p:spPr>
+          <a:xfrm>
+            <a:off x="372533" y="152400"/>
+            <a:ext cx="11642197" cy="1236133"/>
+          </a:xfrm>
+        </p:spPr>
+        <p:txBody>
+          <a:bodyPr/>
+          <a:lstStyle/>
+          <a:p>
+            <a:r>
+              <a:rPr lang="de-DE" dirty="0"/>
+              <a:t>Einlesen</a:t>
+            </a:r>
+            <a:endParaRPr lang="en-US" dirty="0"/>
+          </a:p>
+        </p:txBody>
+      </p:sp>
+      <p:sp>
+        <p:nvSpPr>
+          <p:cNvPr id="3" name="Inhaltsplatzhalter 2">
+            <a:extLst>
+              <a:ext uri="{FF2B5EF4-FFF2-40B4-BE49-F238E27FC236}">
+                <a16:creationId xmlns:a16="http://schemas.microsoft.com/office/drawing/2014/main" id="{52F75B1D-A004-41C4-8726-49FD7630B75B}"/>
+              </a:ext>
+            </a:extLst>
+          </p:cNvPr>
+          <p:cNvSpPr>
+            <a:spLocks noGrp="1"/>
+          </p:cNvSpPr>
+          <p:nvPr>
+            <p:ph idx="1"/>
+          </p:nvPr>
+        </p:nvSpPr>
+        <p:spPr>
+          <a:xfrm>
+            <a:off x="372533" y="1388533"/>
+            <a:ext cx="11642197" cy="10651067"/>
+          </a:xfrm>
+        </p:spPr>
+        <p:txBody>
+          <a:bodyPr/>
+          <a:lstStyle/>
+          <a:p>
+            <a:r>
+              <a:rPr lang="de-DE" dirty="0">
+                <a:cs typeface="Courier New" panose="02070309020205020404" pitchFamily="49" charset="0"/>
+              </a:rPr>
+              <a:t>Laden des Paketes mittels </a:t>
+            </a:r>
+            <a:r>
+              <a:rPr lang="de-DE" sz="3200" dirty="0" err="1">
+                <a:latin typeface="Courier New" panose="02070309020205020404" pitchFamily="49" charset="0"/>
+                <a:cs typeface="Courier New" panose="02070309020205020404" pitchFamily="49" charset="0"/>
+              </a:rPr>
+              <a:t>library</a:t>
+            </a:r>
+            <a:r>
+              <a:rPr lang="de-DE" sz="3200" dirty="0">
+                <a:latin typeface="Courier New" panose="02070309020205020404" pitchFamily="49" charset="0"/>
+                <a:cs typeface="Courier New" panose="02070309020205020404" pitchFamily="49" charset="0"/>
+              </a:rPr>
+              <a:t>(</a:t>
+            </a:r>
+            <a:r>
+              <a:rPr lang="de-DE" sz="3200" dirty="0" err="1">
+                <a:latin typeface="Courier New" panose="02070309020205020404" pitchFamily="49" charset="0"/>
+                <a:cs typeface="Courier New" panose="02070309020205020404" pitchFamily="49" charset="0"/>
+              </a:rPr>
+              <a:t>eigenfaces</a:t>
+            </a:r>
+            <a:r>
+              <a:rPr lang="de-DE" sz="3200" dirty="0">
+                <a:latin typeface="Courier New" panose="02070309020205020404" pitchFamily="49" charset="0"/>
+                <a:cs typeface="Courier New" panose="02070309020205020404" pitchFamily="49" charset="0"/>
+              </a:rPr>
+              <a:t>)</a:t>
+            </a:r>
+            <a:br>
+              <a:rPr lang="de-DE" dirty="0">
+                <a:cs typeface="Courier New" panose="02070309020205020404" pitchFamily="49" charset="0"/>
+              </a:rPr>
+            </a:br>
+            <a:r>
+              <a:rPr lang="de-DE" dirty="0">
+                <a:cs typeface="Courier New" panose="02070309020205020404" pitchFamily="49" charset="0"/>
+              </a:rPr>
+              <a:t>Im Paket mitgeliefert:</a:t>
+            </a:r>
+          </a:p>
+          <a:p>
+            <a:pPr lvl="1"/>
+            <a:r>
+              <a:rPr lang="de-DE" dirty="0">
+                <a:cs typeface="Courier New" panose="02070309020205020404" pitchFamily="49" charset="0"/>
+              </a:rPr>
+              <a:t>Daten + Class-Labels für Olivetti Faces &amp; MNIST Datensatz</a:t>
+            </a:r>
+          </a:p>
+          <a:p>
+            <a:pPr lvl="1"/>
+            <a:endParaRPr lang="de-DE" dirty="0">
+              <a:cs typeface="Courier New" panose="02070309020205020404" pitchFamily="49" charset="0"/>
+            </a:endParaRPr>
+          </a:p>
+          <a:p>
+            <a:r>
+              <a:rPr lang="de-DE" dirty="0">
+                <a:cs typeface="Courier New" panose="02070309020205020404" pitchFamily="49" charset="0"/>
+              </a:rPr>
+              <a:t>Laden des Olivetti Faces Datensatzes mittels </a:t>
+            </a:r>
+            <a:r>
+              <a:rPr lang="de-DE" sz="3200" dirty="0" err="1">
+                <a:latin typeface="Courier New" panose="02070309020205020404" pitchFamily="49" charset="0"/>
+                <a:cs typeface="Courier New" panose="02070309020205020404" pitchFamily="49" charset="0"/>
+              </a:rPr>
+              <a:t>load_imageset_ef</a:t>
+            </a:r>
+            <a:r>
+              <a:rPr lang="de-DE" sz="3200" dirty="0">
+                <a:latin typeface="Courier New" panose="02070309020205020404" pitchFamily="49" charset="0"/>
+                <a:cs typeface="Courier New" panose="02070309020205020404" pitchFamily="49" charset="0"/>
+              </a:rPr>
+              <a:t>()</a:t>
+            </a:r>
+          </a:p>
+          <a:p>
+            <a:pPr marL="0" indent="0">
+              <a:buNone/>
+            </a:pPr>
+            <a:r>
+              <a:rPr lang="de-DE" dirty="0">
+                <a:highlight>
+                  <a:srgbClr val="FFFF00"/>
+                </a:highlight>
+                <a:cs typeface="Courier New" panose="02070309020205020404" pitchFamily="49" charset="0"/>
+              </a:rPr>
+              <a:t>Hier sagen </a:t>
+            </a:r>
+            <a:r>
+              <a:rPr lang="de-DE" dirty="0" err="1">
+                <a:highlight>
+                  <a:srgbClr val="FFFF00"/>
+                </a:highlight>
+                <a:cs typeface="Courier New" panose="02070309020205020404" pitchFamily="49" charset="0"/>
+              </a:rPr>
+              <a:t>ef</a:t>
+            </a:r>
+            <a:r>
+              <a:rPr lang="de-DE" dirty="0">
+                <a:highlight>
+                  <a:srgbClr val="FFFF00"/>
+                </a:highlight>
+                <a:cs typeface="Courier New" panose="02070309020205020404" pitchFamily="49" charset="0"/>
+              </a:rPr>
+              <a:t> steht für </a:t>
+            </a:r>
+            <a:r>
+              <a:rPr lang="de-DE" dirty="0" err="1">
+                <a:highlight>
+                  <a:srgbClr val="FFFF00"/>
+                </a:highlight>
+                <a:cs typeface="Courier New" panose="02070309020205020404" pitchFamily="49" charset="0"/>
+              </a:rPr>
+              <a:t>eigenfaces</a:t>
+            </a:r>
+            <a:r>
+              <a:rPr lang="de-DE" dirty="0">
+                <a:highlight>
+                  <a:srgbClr val="FFFF00"/>
+                </a:highlight>
+                <a:cs typeface="Courier New" panose="02070309020205020404" pitchFamily="49" charset="0"/>
+              </a:rPr>
+              <a:t>!</a:t>
+            </a:r>
+          </a:p>
+          <a:p>
+            <a:r>
+              <a:rPr lang="de-DE" dirty="0">
+                <a:cs typeface="Courier New" panose="02070309020205020404" pitchFamily="49" charset="0"/>
+              </a:rPr>
+              <a:t>Laden von anderen Datensätzen möglich</a:t>
+            </a:r>
+          </a:p>
+          <a:p>
+            <a:pPr lvl="1"/>
+            <a:r>
+              <a:rPr lang="de-DE" dirty="0">
+                <a:cs typeface="Courier New" panose="02070309020205020404" pitchFamily="49" charset="0"/>
+              </a:rPr>
+              <a:t>Beispiel: MNIST</a:t>
+            </a:r>
+          </a:p>
+          <a:p>
+            <a:pPr lvl="1"/>
+            <a:r>
+              <a:rPr lang="de-DE" dirty="0">
+                <a:cs typeface="Courier New" panose="02070309020205020404" pitchFamily="49" charset="0"/>
+              </a:rPr>
+              <a:t>Beispiel: .</a:t>
+            </a:r>
+            <a:r>
+              <a:rPr lang="de-DE" dirty="0" err="1">
+                <a:cs typeface="Courier New" panose="02070309020205020404" pitchFamily="49" charset="0"/>
+              </a:rPr>
+              <a:t>jpg</a:t>
+            </a:r>
+            <a:r>
+              <a:rPr lang="de-DE" dirty="0">
+                <a:cs typeface="Courier New" panose="02070309020205020404" pitchFamily="49" charset="0"/>
+              </a:rPr>
+              <a:t> </a:t>
+            </a:r>
+            <a:r>
+              <a:rPr lang="de-DE" dirty="0" err="1">
+                <a:cs typeface="Courier New" panose="02070309020205020404" pitchFamily="49" charset="0"/>
+              </a:rPr>
+              <a:t>files</a:t>
+            </a:r>
+            <a:r>
+              <a:rPr lang="de-DE" dirty="0">
+                <a:cs typeface="Courier New" panose="02070309020205020404" pitchFamily="49" charset="0"/>
+              </a:rPr>
+              <a:t> in Ordner mittels </a:t>
+            </a:r>
+            <a:r>
+              <a:rPr lang="de-DE" sz="3000" dirty="0" err="1">
+                <a:latin typeface="Courier New" panose="02070309020205020404" pitchFamily="49" charset="0"/>
+                <a:cs typeface="Courier New" panose="02070309020205020404" pitchFamily="49" charset="0"/>
+              </a:rPr>
+              <a:t>load_any_imageset</a:t>
+            </a:r>
+            <a:r>
+              <a:rPr lang="de-DE" sz="3000" dirty="0">
+                <a:latin typeface="Courier New" panose="02070309020205020404" pitchFamily="49" charset="0"/>
+                <a:cs typeface="Courier New" panose="02070309020205020404" pitchFamily="49" charset="0"/>
+              </a:rPr>
+              <a:t>()</a:t>
+            </a:r>
+            <a:endParaRPr lang="de-DE" dirty="0">
+              <a:cs typeface="Courier New" panose="02070309020205020404" pitchFamily="49" charset="0"/>
+            </a:endParaRPr>
+          </a:p>
+          <a:p>
+            <a:endParaRPr lang="de-DE" dirty="0">
+              <a:highlight>
+                <a:srgbClr val="FFFF00"/>
+              </a:highlight>
+              <a:cs typeface="Courier New" panose="02070309020205020404" pitchFamily="49" charset="0"/>
+            </a:endParaRPr>
+          </a:p>
+          <a:p>
+            <a:r>
+              <a:rPr lang="de-DE" dirty="0">
+                <a:cs typeface="Courier New" panose="02070309020205020404" pitchFamily="49" charset="0"/>
+              </a:rPr>
+              <a:t>Überprüfen ob richtige Klasse via </a:t>
+            </a:r>
+            <a:r>
+              <a:rPr lang="de-DE" sz="3200" dirty="0" err="1">
+                <a:latin typeface="Courier New" panose="02070309020205020404" pitchFamily="49" charset="0"/>
+                <a:cs typeface="Courier New" panose="02070309020205020404" pitchFamily="49" charset="0"/>
+              </a:rPr>
+              <a:t>is.image_ef</a:t>
+            </a:r>
+            <a:r>
+              <a:rPr lang="de-DE" sz="3200" dirty="0">
+                <a:latin typeface="Courier New" panose="02070309020205020404" pitchFamily="49" charset="0"/>
+                <a:cs typeface="Courier New" panose="02070309020205020404" pitchFamily="49" charset="0"/>
+              </a:rPr>
+              <a:t>() </a:t>
+            </a:r>
+            <a:r>
+              <a:rPr lang="de-DE" dirty="0">
+                <a:cs typeface="Courier New" panose="02070309020205020404" pitchFamily="49" charset="0"/>
+              </a:rPr>
+              <a:t>und </a:t>
+            </a:r>
+            <a:r>
+              <a:rPr lang="de-DE" sz="3200" dirty="0" err="1">
+                <a:latin typeface="Courier New" panose="02070309020205020404" pitchFamily="49" charset="0"/>
+                <a:cs typeface="Courier New" panose="02070309020205020404" pitchFamily="49" charset="0"/>
+              </a:rPr>
+              <a:t>is.imageset_ef</a:t>
+            </a:r>
+            <a:r>
+              <a:rPr lang="de-DE" sz="3200" dirty="0">
+                <a:latin typeface="Courier New" panose="02070309020205020404" pitchFamily="49" charset="0"/>
+                <a:cs typeface="Courier New" panose="02070309020205020404" pitchFamily="49" charset="0"/>
+              </a:rPr>
+              <a:t>()</a:t>
+            </a:r>
+          </a:p>
+          <a:p>
+            <a:endParaRPr lang="de-DE" sz="3200" dirty="0">
+              <a:latin typeface="Courier New" panose="02070309020205020404" pitchFamily="49" charset="0"/>
+              <a:cs typeface="Courier New" panose="02070309020205020404" pitchFamily="49" charset="0"/>
+            </a:endParaRPr>
+          </a:p>
+          <a:p>
+            <a:pPr marL="0" indent="0">
+              <a:buNone/>
+            </a:pPr>
+            <a:r>
+              <a:rPr lang="de-DE" dirty="0">
+                <a:highlight>
+                  <a:srgbClr val="FFFF00"/>
+                </a:highlight>
+              </a:rPr>
+              <a:t>Darauf hinweisen dass das natürlich intern sehr oft verwendet wird z.B. bei Fehlermeldungen</a:t>
+            </a:r>
+          </a:p>
+        </p:txBody>
+      </p:sp>
+      <p:sp>
+        <p:nvSpPr>
+          <p:cNvPr id="4" name="Textfeld 3">
+            <a:extLst>
+              <a:ext uri="{FF2B5EF4-FFF2-40B4-BE49-F238E27FC236}">
+                <a16:creationId xmlns:a16="http://schemas.microsoft.com/office/drawing/2014/main" id="{1211ED6E-4E84-4E4D-A2E9-6B558E433537}"/>
+              </a:ext>
+            </a:extLst>
+          </p:cNvPr>
+          <p:cNvSpPr txBox="1"/>
+          <p:nvPr/>
+        </p:nvSpPr>
+        <p:spPr>
+          <a:xfrm>
+            <a:off x="6193631" y="557536"/>
+            <a:ext cx="5687082" cy="830997"/>
+          </a:xfrm>
+          <a:prstGeom prst="rect">
+            <a:avLst/>
+          </a:prstGeom>
+          <a:noFill/>
+        </p:spPr>
+        <p:txBody>
+          <a:bodyPr wrap="square" rtlCol="0">
+            <a:spAutoFit/>
+          </a:bodyPr>
+          <a:lstStyle/>
+          <a:p>
+            <a:r>
+              <a:rPr lang="de-DE" sz="2400" dirty="0">
+                <a:highlight>
+                  <a:srgbClr val="FFFF00"/>
+                </a:highlight>
+              </a:rPr>
+              <a:t>Das hier </a:t>
+            </a:r>
+            <a:r>
+              <a:rPr lang="de-DE" sz="2400" dirty="0" err="1">
+                <a:highlight>
+                  <a:srgbClr val="FFFF00"/>
+                </a:highlight>
+              </a:rPr>
+              <a:t>ggf</a:t>
+            </a:r>
+            <a:r>
+              <a:rPr lang="de-DE" sz="2400" dirty="0">
+                <a:highlight>
+                  <a:srgbClr val="FFFF00"/>
+                </a:highlight>
+              </a:rPr>
+              <a:t> </a:t>
+            </a:r>
+            <a:r>
+              <a:rPr lang="de-DE" sz="2400" dirty="0" err="1">
+                <a:highlight>
+                  <a:srgbClr val="FFFF00"/>
+                </a:highlight>
+              </a:rPr>
+              <a:t>erstezen</a:t>
+            </a:r>
+            <a:r>
+              <a:rPr lang="de-DE" sz="2400" dirty="0">
+                <a:highlight>
+                  <a:srgbClr val="FFFF00"/>
+                </a:highlight>
+              </a:rPr>
+              <a:t> durch </a:t>
+            </a:r>
+            <a:r>
+              <a:rPr lang="de-DE" sz="2400" dirty="0" err="1">
+                <a:highlight>
+                  <a:srgbClr val="FFFF00"/>
+                </a:highlight>
+              </a:rPr>
+              <a:t>install</a:t>
+            </a:r>
+            <a:r>
+              <a:rPr lang="de-DE" sz="2400" dirty="0">
+                <a:highlight>
+                  <a:srgbClr val="FFFF00"/>
+                </a:highlight>
+              </a:rPr>
+              <a:t> </a:t>
+            </a:r>
+            <a:r>
+              <a:rPr lang="de-DE" sz="2400" dirty="0" err="1">
+                <a:highlight>
+                  <a:srgbClr val="FFFF00"/>
+                </a:highlight>
+              </a:rPr>
+              <a:t>github</a:t>
+            </a:r>
+            <a:r>
+              <a:rPr lang="de-DE" sz="2400" dirty="0">
+                <a:highlight>
+                  <a:srgbClr val="FFFF00"/>
+                </a:highlight>
+              </a:rPr>
+              <a:t> oder so ein Käse. Ka wie das geht</a:t>
+            </a:r>
+            <a:endParaRPr lang="en-US" sz="2400" dirty="0">
+              <a:highlight>
+                <a:srgbClr val="FFFF00"/>
+              </a:highlight>
+            </a:endParaRPr>
+          </a:p>
+        </p:txBody>
+      </p:sp>
+    </p:spTree>
+    <p:extLst>
+      <p:ext uri="{BB962C8B-B14F-4D97-AF65-F5344CB8AC3E}">
+        <p14:creationId xmlns:p14="http://schemas.microsoft.com/office/powerpoint/2010/main" val="1127632882"/>
+      </p:ext>
+    </p:extLst>
+  </p:cSld>
+  <p:clrMapOvr>
+    <a:masterClrMapping/>
+  </p:clrMapOvr>
+</p:sld>
+</file>
+
+<file path=ppt/slides/slide8.xml><?xml version="1.0" encoding="utf-8"?>
+<p:sld xmlns:a="http://schemas.openxmlformats.org/drawingml/2006/main" xmlns:r="http://schemas.openxmlformats.org/officeDocument/2006/relationships" xmlns:p="http://schemas.openxmlformats.org/presentationml/2006/main">
+  <p:cSld>
+    <p:spTree>
+      <p:nvGrpSpPr>
+        <p:cNvPr id="1" name=""/>
+        <p:cNvGrpSpPr/>
+        <p:nvPr/>
+      </p:nvGrpSpPr>
+      <p:grpSpPr>
+        <a:xfrm>
+          <a:off x="0" y="0"/>
+          <a:ext cx="0" cy="0"/>
+          <a:chOff x="0" y="0"/>
+          <a:chExt cx="0" cy="0"/>
+        </a:xfrm>
+      </p:grpSpPr>
+      <p:sp>
+        <p:nvSpPr>
+          <p:cNvPr id="2" name="Titel 1">
+            <a:extLst>
+              <a:ext uri="{FF2B5EF4-FFF2-40B4-BE49-F238E27FC236}">
+                <a16:creationId xmlns:a16="http://schemas.microsoft.com/office/drawing/2014/main" id="{785F78E3-B837-4A10-8D33-FE12B7C91477}"/>
+              </a:ext>
+            </a:extLst>
+          </p:cNvPr>
+          <p:cNvSpPr>
+            <a:spLocks noGrp="1"/>
+          </p:cNvSpPr>
+          <p:nvPr>
+            <p:ph type="title"/>
+          </p:nvPr>
+        </p:nvSpPr>
+        <p:spPr>
+          <a:xfrm>
+            <a:off x="372533" y="152400"/>
+            <a:ext cx="11642197" cy="1236133"/>
+          </a:xfrm>
+        </p:spPr>
+        <p:txBody>
+          <a:bodyPr/>
+          <a:lstStyle/>
+          <a:p>
+            <a:r>
+              <a:rPr lang="de-DE" dirty="0"/>
+              <a:t>Olivetti Faces Datensatz</a:t>
+            </a:r>
+            <a:endParaRPr lang="en-US" dirty="0"/>
+          </a:p>
+        </p:txBody>
+      </p:sp>
+      <p:sp>
+        <p:nvSpPr>
+          <p:cNvPr id="3" name="Inhaltsplatzhalter 2">
+            <a:extLst>
+              <a:ext uri="{FF2B5EF4-FFF2-40B4-BE49-F238E27FC236}">
+                <a16:creationId xmlns:a16="http://schemas.microsoft.com/office/drawing/2014/main" id="{52F75B1D-A004-41C4-8726-49FD7630B75B}"/>
+              </a:ext>
+            </a:extLst>
+          </p:cNvPr>
+          <p:cNvSpPr>
+            <a:spLocks noGrp="1"/>
+          </p:cNvSpPr>
+          <p:nvPr>
+            <p:ph idx="1"/>
+          </p:nvPr>
+        </p:nvSpPr>
+        <p:spPr>
+          <a:xfrm>
+            <a:off x="372533" y="1388533"/>
+            <a:ext cx="11642197" cy="10651067"/>
+          </a:xfrm>
+        </p:spPr>
+        <p:txBody>
+          <a:bodyPr/>
+          <a:lstStyle/>
+          <a:p>
+            <a:r>
+              <a:rPr lang="de-DE" dirty="0"/>
+              <a:t>Ausgabe des geladenen Datensatzes mittels </a:t>
+            </a:r>
+            <a:r>
+              <a:rPr lang="de-DE" sz="3200" dirty="0" err="1">
+                <a:latin typeface="Courier New" panose="02070309020205020404" pitchFamily="49" charset="0"/>
+                <a:cs typeface="Courier New" panose="02070309020205020404" pitchFamily="49" charset="0"/>
+              </a:rPr>
+              <a:t>td</a:t>
+            </a:r>
+            <a:r>
+              <a:rPr lang="de-DE" sz="3200" dirty="0">
+                <a:latin typeface="Courier New" panose="02070309020205020404" pitchFamily="49" charset="0"/>
+                <a:cs typeface="Courier New" panose="02070309020205020404" pitchFamily="49" charset="0"/>
+              </a:rPr>
+              <a:t>[[</a:t>
+            </a:r>
+            <a:r>
+              <a:rPr lang="de-DE" sz="3200" dirty="0" err="1">
+                <a:latin typeface="Courier New" panose="02070309020205020404" pitchFamily="49" charset="0"/>
+                <a:cs typeface="Courier New" panose="02070309020205020404" pitchFamily="49" charset="0"/>
+              </a:rPr>
+              <a:t>idx</a:t>
+            </a:r>
+            <a:r>
+              <a:rPr lang="de-DE" sz="3200" dirty="0">
+                <a:latin typeface="Courier New" panose="02070309020205020404" pitchFamily="49" charset="0"/>
+                <a:cs typeface="Courier New" panose="02070309020205020404" pitchFamily="49" charset="0"/>
+              </a:rPr>
+              <a:t>]] </a:t>
+            </a:r>
+            <a:r>
+              <a:rPr lang="de-DE" dirty="0"/>
+              <a:t>oder </a:t>
+            </a:r>
+            <a:r>
+              <a:rPr lang="de-DE" sz="3200" dirty="0" err="1">
+                <a:latin typeface="Courier New" panose="02070309020205020404" pitchFamily="49" charset="0"/>
+                <a:cs typeface="Courier New" panose="02070309020205020404" pitchFamily="49" charset="0"/>
+              </a:rPr>
+              <a:t>print</a:t>
+            </a:r>
+            <a:r>
+              <a:rPr lang="de-DE" sz="3200" dirty="0">
+                <a:latin typeface="Courier New" panose="02070309020205020404" pitchFamily="49" charset="0"/>
+                <a:cs typeface="Courier New" panose="02070309020205020404" pitchFamily="49" charset="0"/>
+              </a:rPr>
+              <a:t>(</a:t>
+            </a:r>
+            <a:r>
+              <a:rPr lang="de-DE" sz="3200" dirty="0" err="1">
+                <a:latin typeface="Courier New" panose="02070309020205020404" pitchFamily="49" charset="0"/>
+                <a:cs typeface="Courier New" panose="02070309020205020404" pitchFamily="49" charset="0"/>
+              </a:rPr>
+              <a:t>td</a:t>
+            </a:r>
+            <a:r>
+              <a:rPr lang="de-DE" sz="3200" dirty="0">
+                <a:latin typeface="Courier New" panose="02070309020205020404" pitchFamily="49" charset="0"/>
+                <a:cs typeface="Courier New" panose="02070309020205020404" pitchFamily="49" charset="0"/>
+              </a:rPr>
+              <a:t>[[</a:t>
+            </a:r>
+            <a:r>
+              <a:rPr lang="de-DE" sz="3200" dirty="0" err="1">
+                <a:latin typeface="Courier New" panose="02070309020205020404" pitchFamily="49" charset="0"/>
+                <a:cs typeface="Courier New" panose="02070309020205020404" pitchFamily="49" charset="0"/>
+              </a:rPr>
+              <a:t>idx</a:t>
+            </a:r>
+            <a:r>
+              <a:rPr lang="de-DE" sz="3200" dirty="0">
+                <a:latin typeface="Courier New" panose="02070309020205020404" pitchFamily="49" charset="0"/>
+                <a:cs typeface="Courier New" panose="02070309020205020404" pitchFamily="49" charset="0"/>
+              </a:rPr>
+              <a:t>]])</a:t>
+            </a:r>
+          </a:p>
+          <a:p>
+            <a:pPr lvl="1"/>
+            <a:r>
+              <a:rPr lang="de-DE" dirty="0"/>
+              <a:t>S3-Methodik verwendet</a:t>
+            </a:r>
+          </a:p>
+          <a:p>
+            <a:endParaRPr lang="de-DE" dirty="0"/>
+          </a:p>
+          <a:p>
+            <a:pPr marL="0" indent="0">
+              <a:buNone/>
+            </a:pPr>
+            <a:r>
+              <a:rPr lang="de-DE" dirty="0">
+                <a:highlight>
+                  <a:srgbClr val="FFFF00"/>
+                </a:highlight>
+              </a:rPr>
+              <a:t>Ausgabe der ersten 40 Bilder mittels </a:t>
+            </a:r>
+            <a:r>
+              <a:rPr lang="de-DE" dirty="0" err="1">
+                <a:highlight>
+                  <a:srgbClr val="FFFF00"/>
+                </a:highlight>
+              </a:rPr>
+              <a:t>for</a:t>
+            </a:r>
+            <a:r>
+              <a:rPr lang="de-DE" dirty="0">
+                <a:highlight>
+                  <a:srgbClr val="FFFF00"/>
+                </a:highlight>
+              </a:rPr>
+              <a:t> loop -&gt; dabei erklären wir Olivetti-Dataset </a:t>
+            </a:r>
+            <a:r>
+              <a:rPr lang="de-DE" dirty="0" err="1">
+                <a:highlight>
+                  <a:srgbClr val="FFFF00"/>
+                </a:highlight>
+              </a:rPr>
+              <a:t>jz</a:t>
+            </a:r>
+            <a:r>
+              <a:rPr lang="de-DE" dirty="0">
+                <a:highlight>
+                  <a:srgbClr val="FFFF00"/>
+                </a:highlight>
+              </a:rPr>
+              <a:t> eigentlich aufgebaut ist</a:t>
+            </a:r>
+          </a:p>
+          <a:p>
+            <a:r>
+              <a:rPr lang="de-DE" dirty="0" err="1"/>
+              <a:t>Ollivetti</a:t>
+            </a:r>
+            <a:r>
+              <a:rPr lang="de-DE" dirty="0"/>
+              <a:t> Faces Datensatz beinhaltet</a:t>
+            </a:r>
+          </a:p>
+          <a:p>
+            <a:pPr lvl="1"/>
+            <a:r>
+              <a:rPr lang="de-DE" dirty="0"/>
+              <a:t>40 Personen mit jeweils 10 verschiedenen Aufnahmen der Gesichter = 400 Bilder</a:t>
+            </a:r>
+          </a:p>
+          <a:p>
+            <a:endParaRPr lang="de-DE" dirty="0"/>
+          </a:p>
+          <a:p>
+            <a:r>
+              <a:rPr lang="de-DE" dirty="0"/>
+              <a:t>Berechnung des Durchschnittsgesichtes mittels </a:t>
+            </a:r>
+            <a:r>
+              <a:rPr lang="de-DE" sz="3200" dirty="0" err="1">
+                <a:latin typeface="Courier New" panose="02070309020205020404" pitchFamily="49" charset="0"/>
+                <a:ea typeface="Verdana" panose="020B0604030504040204" pitchFamily="34" charset="0"/>
+                <a:cs typeface="Courier New" panose="02070309020205020404" pitchFamily="49" charset="0"/>
+              </a:rPr>
+              <a:t>avg_face</a:t>
+            </a:r>
+            <a:r>
+              <a:rPr lang="de-DE" sz="3200" dirty="0">
+                <a:latin typeface="Courier New" panose="02070309020205020404" pitchFamily="49" charset="0"/>
+                <a:ea typeface="Verdana" panose="020B0604030504040204" pitchFamily="34" charset="0"/>
+                <a:cs typeface="Courier New" panose="02070309020205020404" pitchFamily="49" charset="0"/>
+              </a:rPr>
+              <a:t>()</a:t>
+            </a:r>
+          </a:p>
+          <a:p>
+            <a:endParaRPr lang="de-DE" dirty="0"/>
+          </a:p>
+          <a:p>
+            <a:pPr marL="0" indent="0">
+              <a:buNone/>
+            </a:pPr>
+            <a:r>
+              <a:rPr lang="de-DE" dirty="0">
+                <a:highlight>
+                  <a:srgbClr val="FFFF00"/>
+                </a:highlight>
+              </a:rPr>
+              <a:t>Hier nochmal Querverweis dass das Durchschnittgesicht nötig ist für PCA</a:t>
+            </a:r>
+          </a:p>
+        </p:txBody>
+      </p:sp>
+    </p:spTree>
+    <p:extLst>
+      <p:ext uri="{BB962C8B-B14F-4D97-AF65-F5344CB8AC3E}">
+        <p14:creationId xmlns:p14="http://schemas.microsoft.com/office/powerpoint/2010/main" val="406102888"/>
+      </p:ext>
+    </p:extLst>
+  </p:cSld>
+  <p:clrMapOvr>
+    <a:masterClrMapping/>
+  </p:clrMapOvr>
+</p:sld>
+</file>
+
+<file path=ppt/slides/slide9.xml><?xml version="1.0" encoding="utf-8"?>
+<p:sld xmlns:a="http://schemas.openxmlformats.org/drawingml/2006/main" xmlns:r="http://schemas.openxmlformats.org/officeDocument/2006/relationships" xmlns:p="http://schemas.openxmlformats.org/presentationml/2006/main">
+  <p:cSld>
+    <p:spTree>
+      <p:nvGrpSpPr>
+        <p:cNvPr id="1" name=""/>
+        <p:cNvGrpSpPr/>
+        <p:nvPr/>
+      </p:nvGrpSpPr>
+      <p:grpSpPr>
+        <a:xfrm>
+          <a:off x="0" y="0"/>
+          <a:ext cx="0" cy="0"/>
+          <a:chOff x="0" y="0"/>
+          <a:chExt cx="0" cy="0"/>
+        </a:xfrm>
+      </p:grpSpPr>
+      <p:sp>
+        <p:nvSpPr>
+          <p:cNvPr id="2" name="Titel 1">
+            <a:extLst>
+              <a:ext uri="{FF2B5EF4-FFF2-40B4-BE49-F238E27FC236}">
+                <a16:creationId xmlns:a16="http://schemas.microsoft.com/office/drawing/2014/main" id="{785F78E3-B837-4A10-8D33-FE12B7C91477}"/>
+              </a:ext>
+            </a:extLst>
+          </p:cNvPr>
+          <p:cNvSpPr>
+            <a:spLocks noGrp="1"/>
+          </p:cNvSpPr>
+          <p:nvPr>
+            <p:ph type="title"/>
+          </p:nvPr>
+        </p:nvSpPr>
+        <p:spPr>
+          <a:xfrm>
+            <a:off x="372533" y="152400"/>
+            <a:ext cx="11642197" cy="1236133"/>
+          </a:xfrm>
+        </p:spPr>
+        <p:txBody>
+          <a:bodyPr/>
+          <a:lstStyle/>
+          <a:p>
+            <a:r>
+              <a:rPr lang="de-DE" dirty="0"/>
+              <a:t>Ausgabe der Eigengesichter</a:t>
+            </a:r>
+            <a:endParaRPr lang="en-US" dirty="0"/>
+          </a:p>
+        </p:txBody>
+      </p:sp>
+      <p:sp>
+        <p:nvSpPr>
+          <p:cNvPr id="3" name="Inhaltsplatzhalter 2">
+            <a:extLst>
+              <a:ext uri="{FF2B5EF4-FFF2-40B4-BE49-F238E27FC236}">
+                <a16:creationId xmlns:a16="http://schemas.microsoft.com/office/drawing/2014/main" id="{52F75B1D-A004-41C4-8726-49FD7630B75B}"/>
+              </a:ext>
+            </a:extLst>
+          </p:cNvPr>
+          <p:cNvSpPr>
+            <a:spLocks noGrp="1"/>
+          </p:cNvSpPr>
+          <p:nvPr>
+            <p:ph idx="1"/>
+          </p:nvPr>
+        </p:nvSpPr>
+        <p:spPr>
+          <a:xfrm>
+            <a:off x="372533" y="1388533"/>
+            <a:ext cx="11642197" cy="10651067"/>
+          </a:xfrm>
+        </p:spPr>
+        <p:txBody>
+          <a:bodyPr/>
+          <a:lstStyle/>
+          <a:p>
+            <a:r>
+              <a:rPr lang="de-DE" dirty="0"/>
+              <a:t>Berechnen der ersten </a:t>
+            </a:r>
+            <a:r>
+              <a:rPr lang="de-DE" sz="3200" dirty="0" err="1">
+                <a:latin typeface="Courier New" panose="02070309020205020404" pitchFamily="49" charset="0"/>
+                <a:cs typeface="Courier New" panose="02070309020205020404" pitchFamily="49" charset="0"/>
+              </a:rPr>
+              <a:t>nfaces</a:t>
+            </a:r>
+            <a:r>
+              <a:rPr lang="de-DE" dirty="0"/>
+              <a:t> Eigengesichter mittels </a:t>
+            </a:r>
+            <a:r>
+              <a:rPr lang="en-US" sz="3200" b="0" i="0" dirty="0" err="1">
+                <a:solidFill>
+                  <a:srgbClr val="333333"/>
+                </a:solidFill>
+                <a:effectLst/>
+                <a:latin typeface="Courier New" panose="02070309020205020404" pitchFamily="49" charset="0"/>
+                <a:cs typeface="Courier New" panose="02070309020205020404" pitchFamily="49" charset="0"/>
+              </a:rPr>
+              <a:t>get_eigenfaces</a:t>
+            </a:r>
+            <a:r>
+              <a:rPr lang="en-US" sz="3200" b="0" i="0" dirty="0">
+                <a:solidFill>
+                  <a:srgbClr val="333333"/>
+                </a:solidFill>
+                <a:effectLst/>
+                <a:latin typeface="Courier New" panose="02070309020205020404" pitchFamily="49" charset="0"/>
+                <a:cs typeface="Courier New" panose="02070309020205020404" pitchFamily="49" charset="0"/>
+              </a:rPr>
+              <a:t>(td, </a:t>
+            </a:r>
+            <a:r>
+              <a:rPr lang="en-US" sz="3200" b="0" i="0" dirty="0" err="1">
+                <a:solidFill>
+                  <a:srgbClr val="333333"/>
+                </a:solidFill>
+                <a:effectLst/>
+                <a:latin typeface="Courier New" panose="02070309020205020404" pitchFamily="49" charset="0"/>
+                <a:cs typeface="Courier New" panose="02070309020205020404" pitchFamily="49" charset="0"/>
+              </a:rPr>
+              <a:t>nfaces</a:t>
+            </a:r>
+            <a:r>
+              <a:rPr lang="en-US" sz="3200" b="0" i="0" dirty="0">
+                <a:solidFill>
+                  <a:srgbClr val="333333"/>
+                </a:solidFill>
+                <a:effectLst/>
+                <a:latin typeface="Courier New" panose="02070309020205020404" pitchFamily="49" charset="0"/>
+                <a:cs typeface="Courier New" panose="02070309020205020404" pitchFamily="49" charset="0"/>
+              </a:rPr>
+              <a:t> = 15, quick = FALSE)</a:t>
+            </a:r>
+          </a:p>
+          <a:p>
+            <a:r>
+              <a:rPr lang="en-US" sz="3200" dirty="0">
+                <a:solidFill>
+                  <a:srgbClr val="333333"/>
+                </a:solidFill>
+                <a:latin typeface="Courier New" panose="02070309020205020404" pitchFamily="49" charset="0"/>
+                <a:cs typeface="Courier New" panose="02070309020205020404" pitchFamily="49" charset="0"/>
+              </a:rPr>
+              <a:t>quick = TRUE </a:t>
+            </a:r>
+            <a:r>
+              <a:rPr lang="en-US" dirty="0" err="1"/>
+              <a:t>verwendet</a:t>
+            </a:r>
+            <a:r>
+              <a:rPr lang="en-US" dirty="0"/>
+              <a:t> </a:t>
+            </a:r>
+            <a:r>
+              <a:rPr lang="en-US" dirty="0" err="1"/>
+              <a:t>kleinere</a:t>
+            </a:r>
+            <a:r>
+              <a:rPr lang="en-US" dirty="0"/>
+              <a:t> Matrix </a:t>
+            </a:r>
+            <a:r>
+              <a:rPr lang="en-US" dirty="0" err="1"/>
+              <a:t>zur</a:t>
+            </a:r>
+            <a:r>
+              <a:rPr lang="en-US" dirty="0"/>
+              <a:t> </a:t>
+            </a:r>
+            <a:r>
+              <a:rPr lang="en-US" dirty="0" err="1"/>
+              <a:t>Bestimmung</a:t>
+            </a:r>
+            <a:r>
+              <a:rPr lang="en-US" dirty="0"/>
+              <a:t> der </a:t>
+            </a:r>
+            <a:r>
+              <a:rPr lang="en-US" dirty="0" err="1"/>
+              <a:t>Eigenvektoren</a:t>
+            </a:r>
+            <a:r>
+              <a:rPr lang="en-US" dirty="0"/>
+              <a:t>. </a:t>
+            </a:r>
+            <a:r>
+              <a:rPr lang="en-US" dirty="0" err="1">
+                <a:highlight>
+                  <a:srgbClr val="FFFF00"/>
+                </a:highlight>
+              </a:rPr>
+              <a:t>Etwas</a:t>
+            </a:r>
+            <a:r>
+              <a:rPr lang="en-US" dirty="0">
+                <a:highlight>
+                  <a:srgbClr val="FFFF00"/>
+                </a:highlight>
+              </a:rPr>
+              <a:t> </a:t>
+            </a:r>
+            <a:r>
+              <a:rPr lang="en-US" dirty="0" err="1">
+                <a:highlight>
+                  <a:srgbClr val="FFFF00"/>
+                </a:highlight>
+              </a:rPr>
+              <a:t>genauer</a:t>
+            </a:r>
+            <a:r>
+              <a:rPr lang="en-US" dirty="0">
+                <a:highlight>
+                  <a:srgbClr val="FFFF00"/>
+                </a:highlight>
+              </a:rPr>
+              <a:t> </a:t>
+            </a:r>
+            <a:r>
+              <a:rPr lang="en-US" dirty="0" err="1">
+                <a:highlight>
+                  <a:srgbClr val="FFFF00"/>
+                </a:highlight>
+              </a:rPr>
+              <a:t>wäre</a:t>
+            </a:r>
+            <a:r>
+              <a:rPr lang="en-US" dirty="0">
+                <a:highlight>
+                  <a:srgbClr val="FFFF00"/>
+                </a:highlight>
+              </a:rPr>
+              <a:t> </a:t>
+            </a:r>
+            <a:r>
+              <a:rPr lang="en-US" dirty="0" err="1">
+                <a:highlight>
+                  <a:srgbClr val="FFFF00"/>
+                </a:highlight>
+              </a:rPr>
+              <a:t>besser</a:t>
+            </a:r>
+            <a:r>
+              <a:rPr lang="en-US" dirty="0">
+                <a:highlight>
+                  <a:srgbClr val="FFFF00"/>
+                </a:highlight>
+              </a:rPr>
+              <a:t>.</a:t>
+            </a:r>
+            <a:br>
+              <a:rPr lang="en-US" dirty="0"/>
+            </a:br>
+            <a:r>
+              <a:rPr lang="en-US" dirty="0" err="1"/>
+              <a:t>Deshalb</a:t>
+            </a:r>
+            <a:r>
+              <a:rPr lang="en-US" dirty="0"/>
+              <a:t> </a:t>
+            </a:r>
+            <a:r>
+              <a:rPr lang="en-US" dirty="0" err="1"/>
+              <a:t>schneller</a:t>
+            </a:r>
+            <a:r>
+              <a:rPr lang="en-US" dirty="0"/>
+              <a:t>, </a:t>
+            </a:r>
+            <a:r>
+              <a:rPr lang="en-US" dirty="0" err="1"/>
+              <a:t>aber</a:t>
+            </a:r>
+            <a:r>
+              <a:rPr lang="en-US" dirty="0"/>
+              <a:t> </a:t>
+            </a:r>
+            <a:r>
+              <a:rPr lang="en-US" dirty="0" err="1"/>
+              <a:t>liefert</a:t>
+            </a:r>
+            <a:r>
+              <a:rPr lang="en-US" dirty="0"/>
+              <a:t> </a:t>
+            </a:r>
+            <a:r>
+              <a:rPr lang="en-US" dirty="0" err="1"/>
+              <a:t>schlechtere</a:t>
+            </a:r>
+            <a:r>
+              <a:rPr lang="en-US" dirty="0"/>
+              <a:t> </a:t>
+            </a:r>
+            <a:r>
+              <a:rPr lang="en-US" dirty="0" err="1"/>
+              <a:t>Ergebnisse</a:t>
+            </a:r>
+            <a:r>
+              <a:rPr lang="en-US" dirty="0"/>
+              <a:t> </a:t>
+            </a:r>
+            <a:r>
+              <a:rPr lang="en-US" dirty="0" err="1"/>
+              <a:t>bei</a:t>
+            </a:r>
+            <a:r>
+              <a:rPr lang="en-US" dirty="0"/>
+              <a:t> </a:t>
+            </a:r>
+            <a:r>
+              <a:rPr lang="en-US" dirty="0" err="1"/>
+              <a:t>z.B</a:t>
+            </a:r>
+            <a:r>
+              <a:rPr lang="en-US" dirty="0"/>
+              <a:t>. der </a:t>
+            </a:r>
+            <a:r>
+              <a:rPr lang="en-US" dirty="0" err="1"/>
+              <a:t>Rekonstruktion</a:t>
+            </a:r>
+            <a:endParaRPr lang="en-US" dirty="0"/>
+          </a:p>
+          <a:p>
+            <a:r>
+              <a:rPr lang="en-US" sz="3200" dirty="0">
+                <a:solidFill>
+                  <a:srgbClr val="333333"/>
+                </a:solidFill>
+                <a:latin typeface="Courier New" panose="02070309020205020404" pitchFamily="49" charset="0"/>
+                <a:cs typeface="Courier New" panose="02070309020205020404" pitchFamily="49" charset="0"/>
+              </a:rPr>
+              <a:t>quick = FALSE </a:t>
+            </a:r>
+            <a:r>
+              <a:rPr lang="en-US" dirty="0" err="1"/>
+              <a:t>ist</a:t>
+            </a:r>
+            <a:r>
+              <a:rPr lang="en-US" dirty="0"/>
+              <a:t> </a:t>
+            </a:r>
+            <a:r>
+              <a:rPr lang="en-US" dirty="0" err="1"/>
+              <a:t>deshalb</a:t>
+            </a:r>
+            <a:r>
+              <a:rPr lang="en-US" dirty="0"/>
+              <a:t> die (</a:t>
+            </a:r>
+            <a:r>
+              <a:rPr lang="en-US" dirty="0" err="1"/>
+              <a:t>empfohlene</a:t>
+            </a:r>
+            <a:r>
+              <a:rPr lang="en-US" dirty="0"/>
+              <a:t>) Default-</a:t>
+            </a:r>
+            <a:r>
+              <a:rPr lang="en-US" dirty="0" err="1"/>
+              <a:t>Einstellung</a:t>
+            </a:r>
+            <a:r>
+              <a:rPr lang="en-US" dirty="0"/>
+              <a:t>. </a:t>
+            </a:r>
+            <a:r>
+              <a:rPr lang="en-US" dirty="0" err="1"/>
+              <a:t>Hierbei</a:t>
+            </a:r>
+            <a:r>
+              <a:rPr lang="en-US" dirty="0"/>
+              <a:t> </a:t>
+            </a:r>
+            <a:r>
+              <a:rPr lang="en-US" dirty="0" err="1"/>
+              <a:t>wird</a:t>
+            </a:r>
+            <a:r>
+              <a:rPr lang="en-US" dirty="0"/>
+              <a:t> </a:t>
+            </a:r>
+            <a:r>
+              <a:rPr lang="en-US" dirty="0">
+                <a:highlight>
+                  <a:srgbClr val="FFFF00"/>
+                </a:highlight>
+              </a:rPr>
+              <a:t>was </a:t>
+            </a:r>
+            <a:r>
+              <a:rPr lang="en-US" dirty="0" err="1">
+                <a:highlight>
+                  <a:srgbClr val="FFFF00"/>
+                </a:highlight>
+              </a:rPr>
+              <a:t>verwendet</a:t>
+            </a:r>
+            <a:r>
+              <a:rPr lang="en-US" dirty="0">
+                <a:highlight>
+                  <a:srgbClr val="FFFF00"/>
+                </a:highlight>
+              </a:rPr>
+              <a:t>? Aaron it’s your time to shine. </a:t>
+            </a:r>
+            <a:r>
+              <a:rPr lang="en-US" dirty="0" err="1">
+                <a:highlight>
+                  <a:srgbClr val="FFFF00"/>
+                </a:highlight>
+              </a:rPr>
+              <a:t>Hier</a:t>
+            </a:r>
+            <a:r>
+              <a:rPr lang="en-US" dirty="0">
+                <a:highlight>
+                  <a:srgbClr val="FFFF00"/>
+                </a:highlight>
+              </a:rPr>
+              <a:t> </a:t>
+            </a:r>
+            <a:r>
+              <a:rPr lang="en-US" dirty="0" err="1">
+                <a:highlight>
+                  <a:srgbClr val="FFFF00"/>
+                </a:highlight>
+              </a:rPr>
+              <a:t>brauch</a:t>
+            </a:r>
+            <a:r>
+              <a:rPr lang="en-US" dirty="0">
+                <a:highlight>
+                  <a:srgbClr val="FFFF00"/>
+                </a:highlight>
+              </a:rPr>
+              <a:t> ich </a:t>
+            </a:r>
+            <a:r>
+              <a:rPr lang="en-US" dirty="0" err="1">
+                <a:highlight>
+                  <a:srgbClr val="FFFF00"/>
+                </a:highlight>
+              </a:rPr>
+              <a:t>paar</a:t>
+            </a:r>
+            <a:r>
+              <a:rPr lang="en-US" dirty="0">
+                <a:highlight>
+                  <a:srgbClr val="FFFF00"/>
+                </a:highlight>
+              </a:rPr>
+              <a:t> </a:t>
+            </a:r>
+            <a:r>
+              <a:rPr lang="en-US" dirty="0" err="1">
+                <a:highlight>
+                  <a:srgbClr val="FFFF00"/>
+                </a:highlight>
+              </a:rPr>
+              <a:t>Ergänzungen</a:t>
+            </a:r>
+            <a:r>
+              <a:rPr lang="en-US" dirty="0">
+                <a:highlight>
+                  <a:srgbClr val="FFFF00"/>
+                </a:highlight>
+              </a:rPr>
+              <a:t> von dir.</a:t>
+            </a:r>
+          </a:p>
+          <a:p>
+            <a:endParaRPr lang="en-US" sz="3200" dirty="0">
+              <a:solidFill>
+                <a:srgbClr val="333333"/>
+              </a:solidFill>
+              <a:highlight>
+                <a:srgbClr val="FFFF00"/>
+              </a:highlight>
+              <a:latin typeface="Courier New" panose="02070309020205020404" pitchFamily="49" charset="0"/>
+              <a:cs typeface="Courier New" panose="02070309020205020404" pitchFamily="49" charset="0"/>
+            </a:endParaRPr>
+          </a:p>
+          <a:p>
+            <a:r>
+              <a:rPr lang="en-US" dirty="0" err="1"/>
+              <a:t>Beobachtungen</a:t>
+            </a:r>
+            <a:r>
+              <a:rPr lang="en-US" dirty="0"/>
+              <a:t>:</a:t>
+            </a:r>
+          </a:p>
+          <a:p>
+            <a:pPr lvl="1"/>
+            <a:r>
+              <a:rPr lang="en-US" dirty="0" err="1"/>
+              <a:t>erste</a:t>
+            </a:r>
+            <a:r>
+              <a:rPr lang="en-US" dirty="0"/>
+              <a:t> (</a:t>
+            </a:r>
+            <a:r>
+              <a:rPr lang="en-US" dirty="0" err="1"/>
+              <a:t>wichtige</a:t>
+            </a:r>
+            <a:r>
+              <a:rPr lang="en-US" dirty="0"/>
+              <a:t>) </a:t>
+            </a:r>
+            <a:r>
+              <a:rPr lang="en-US" dirty="0" err="1"/>
+              <a:t>Eigengesichter</a:t>
+            </a:r>
+            <a:r>
+              <a:rPr lang="en-US" dirty="0"/>
+              <a:t> </a:t>
+            </a:r>
+            <a:r>
+              <a:rPr lang="en-US" dirty="0" err="1"/>
+              <a:t>repräsentieren</a:t>
+            </a:r>
+            <a:r>
+              <a:rPr lang="en-US" dirty="0"/>
+              <a:t> </a:t>
+            </a:r>
+            <a:r>
+              <a:rPr lang="en-US" dirty="0" err="1"/>
+              <a:t>grobe</a:t>
+            </a:r>
+            <a:r>
+              <a:rPr lang="en-US" dirty="0"/>
+              <a:t> </a:t>
+            </a:r>
+            <a:r>
+              <a:rPr lang="en-US" dirty="0" err="1"/>
+              <a:t>Eigenschaften</a:t>
+            </a:r>
+            <a:r>
+              <a:rPr lang="en-US" dirty="0"/>
+              <a:t> (</a:t>
+            </a:r>
+            <a:r>
+              <a:rPr lang="en-US" dirty="0" err="1"/>
+              <a:t>z.B</a:t>
+            </a:r>
+            <a:r>
+              <a:rPr lang="en-US" dirty="0"/>
+              <a:t>. </a:t>
+            </a:r>
+            <a:r>
+              <a:rPr lang="en-US" dirty="0" err="1"/>
+              <a:t>Lichteinfall</a:t>
+            </a:r>
+            <a:r>
+              <a:rPr lang="en-US" dirty="0"/>
+              <a:t>) </a:t>
+            </a:r>
+          </a:p>
+          <a:p>
+            <a:pPr lvl="1"/>
+            <a:r>
+              <a:rPr lang="en-US" dirty="0" err="1"/>
+              <a:t>Spätere</a:t>
+            </a:r>
+            <a:r>
+              <a:rPr lang="en-US" dirty="0"/>
+              <a:t> </a:t>
+            </a:r>
+            <a:r>
+              <a:rPr lang="en-US" dirty="0" err="1"/>
+              <a:t>Eigengesichter</a:t>
+            </a:r>
+            <a:r>
+              <a:rPr lang="en-US" dirty="0"/>
+              <a:t> </a:t>
+            </a:r>
+            <a:r>
+              <a:rPr lang="en-US" dirty="0" err="1"/>
+              <a:t>repräsentieren</a:t>
+            </a:r>
+            <a:r>
+              <a:rPr lang="en-US" dirty="0"/>
+              <a:t> </a:t>
+            </a:r>
+            <a:r>
+              <a:rPr lang="en-US" dirty="0" err="1"/>
+              <a:t>Mimik</a:t>
+            </a:r>
+            <a:r>
+              <a:rPr lang="en-US" dirty="0"/>
+              <a:t>, </a:t>
+            </a:r>
+            <a:r>
+              <a:rPr lang="en-US" dirty="0" err="1"/>
+              <a:t>Frisur</a:t>
+            </a:r>
+            <a:r>
+              <a:rPr lang="en-US" dirty="0"/>
+              <a:t> </a:t>
+            </a:r>
+            <a:r>
+              <a:rPr lang="en-US" dirty="0" err="1"/>
+              <a:t>u.ä</a:t>
+            </a:r>
+            <a:r>
+              <a:rPr lang="en-US" dirty="0"/>
+              <a:t>.</a:t>
+            </a:r>
+          </a:p>
+        </p:txBody>
+      </p:sp>
+    </p:spTree>
+    <p:extLst>
+      <p:ext uri="{BB962C8B-B14F-4D97-AF65-F5344CB8AC3E}">
+        <p14:creationId xmlns:p14="http://schemas.microsoft.com/office/powerpoint/2010/main" val="693270551"/>
       </p:ext>
     </p:extLst>
   </p:cSld>
